--- a/streams/docs/induction-state-2012/figures/fission-example.pptx
+++ b/streams/docs/induction-state-2012/figures/fission-example.pptx
@@ -288,7 +288,8 @@
           <a:p>
             <a:fld id="{E926D0E2-BD55-B04E-8C84-99E27348D69A}" type="datetimeFigureOut">
               <a:rPr lang="en-US" smtClean="0"/>
-              <a:t>3/23/12</a:t>
+              <a:pPr/>
+              <a:t>4/10/2012</a:t>
             </a:fld>
             <a:endParaRPr lang="en-US"/>
           </a:p>
@@ -330,6 +331,7 @@
           <a:p>
             <a:fld id="{785BF839-2994-B34E-9B5B-FE683D92FA11}" type="slidenum">
               <a:rPr lang="en-US" smtClean="0"/>
+              <a:pPr/>
               <a:t>‹#›</a:t>
             </a:fld>
             <a:endParaRPr lang="en-US"/>
@@ -339,7 +341,7 @@
     </p:spTree>
     <p:extLst>
       <p:ext uri="{BB962C8B-B14F-4D97-AF65-F5344CB8AC3E}">
-        <p14:creationId xmlns:p14="http://schemas.microsoft.com/office/powerpoint/2010/main" val="43714323"/>
+        <p14:creationId xmlns:p14="http://schemas.microsoft.com/office/powerpoint/2010/main" xmlns="" val="43714323"/>
       </p:ext>
     </p:extLst>
   </p:cSld>
@@ -458,7 +460,8 @@
           <a:p>
             <a:fld id="{E926D0E2-BD55-B04E-8C84-99E27348D69A}" type="datetimeFigureOut">
               <a:rPr lang="en-US" smtClean="0"/>
-              <a:t>3/23/12</a:t>
+              <a:pPr/>
+              <a:t>4/10/2012</a:t>
             </a:fld>
             <a:endParaRPr lang="en-US"/>
           </a:p>
@@ -500,6 +503,7 @@
           <a:p>
             <a:fld id="{785BF839-2994-B34E-9B5B-FE683D92FA11}" type="slidenum">
               <a:rPr lang="en-US" smtClean="0"/>
+              <a:pPr/>
               <a:t>‹#›</a:t>
             </a:fld>
             <a:endParaRPr lang="en-US"/>
@@ -509,7 +513,7 @@
     </p:spTree>
     <p:extLst>
       <p:ext uri="{BB962C8B-B14F-4D97-AF65-F5344CB8AC3E}">
-        <p14:creationId xmlns:p14="http://schemas.microsoft.com/office/powerpoint/2010/main" val="3926844510"/>
+        <p14:creationId xmlns:p14="http://schemas.microsoft.com/office/powerpoint/2010/main" xmlns="" val="3926844510"/>
       </p:ext>
     </p:extLst>
   </p:cSld>
@@ -638,7 +642,8 @@
           <a:p>
             <a:fld id="{E926D0E2-BD55-B04E-8C84-99E27348D69A}" type="datetimeFigureOut">
               <a:rPr lang="en-US" smtClean="0"/>
-              <a:t>3/23/12</a:t>
+              <a:pPr/>
+              <a:t>4/10/2012</a:t>
             </a:fld>
             <a:endParaRPr lang="en-US"/>
           </a:p>
@@ -680,6 +685,7 @@
           <a:p>
             <a:fld id="{785BF839-2994-B34E-9B5B-FE683D92FA11}" type="slidenum">
               <a:rPr lang="en-US" smtClean="0"/>
+              <a:pPr/>
               <a:t>‹#›</a:t>
             </a:fld>
             <a:endParaRPr lang="en-US"/>
@@ -689,7 +695,7 @@
     </p:spTree>
     <p:extLst>
       <p:ext uri="{BB962C8B-B14F-4D97-AF65-F5344CB8AC3E}">
-        <p14:creationId xmlns:p14="http://schemas.microsoft.com/office/powerpoint/2010/main" val="3603292242"/>
+        <p14:creationId xmlns:p14="http://schemas.microsoft.com/office/powerpoint/2010/main" xmlns="" val="3603292242"/>
       </p:ext>
     </p:extLst>
   </p:cSld>
@@ -808,7 +814,8 @@
           <a:p>
             <a:fld id="{E926D0E2-BD55-B04E-8C84-99E27348D69A}" type="datetimeFigureOut">
               <a:rPr lang="en-US" smtClean="0"/>
-              <a:t>3/23/12</a:t>
+              <a:pPr/>
+              <a:t>4/10/2012</a:t>
             </a:fld>
             <a:endParaRPr lang="en-US"/>
           </a:p>
@@ -850,6 +857,7 @@
           <a:p>
             <a:fld id="{785BF839-2994-B34E-9B5B-FE683D92FA11}" type="slidenum">
               <a:rPr lang="en-US" smtClean="0"/>
+              <a:pPr/>
               <a:t>‹#›</a:t>
             </a:fld>
             <a:endParaRPr lang="en-US"/>
@@ -859,7 +867,7 @@
     </p:spTree>
     <p:extLst>
       <p:ext uri="{BB962C8B-B14F-4D97-AF65-F5344CB8AC3E}">
-        <p14:creationId xmlns:p14="http://schemas.microsoft.com/office/powerpoint/2010/main" val="3021893725"/>
+        <p14:creationId xmlns:p14="http://schemas.microsoft.com/office/powerpoint/2010/main" xmlns="" val="3021893725"/>
       </p:ext>
     </p:extLst>
   </p:cSld>
@@ -1054,7 +1062,8 @@
           <a:p>
             <a:fld id="{E926D0E2-BD55-B04E-8C84-99E27348D69A}" type="datetimeFigureOut">
               <a:rPr lang="en-US" smtClean="0"/>
-              <a:t>3/23/12</a:t>
+              <a:pPr/>
+              <a:t>4/10/2012</a:t>
             </a:fld>
             <a:endParaRPr lang="en-US"/>
           </a:p>
@@ -1096,6 +1105,7 @@
           <a:p>
             <a:fld id="{785BF839-2994-B34E-9B5B-FE683D92FA11}" type="slidenum">
               <a:rPr lang="en-US" smtClean="0"/>
+              <a:pPr/>
               <a:t>‹#›</a:t>
             </a:fld>
             <a:endParaRPr lang="en-US"/>
@@ -1105,7 +1115,7 @@
     </p:spTree>
     <p:extLst>
       <p:ext uri="{BB962C8B-B14F-4D97-AF65-F5344CB8AC3E}">
-        <p14:creationId xmlns:p14="http://schemas.microsoft.com/office/powerpoint/2010/main" val="1440282091"/>
+        <p14:creationId xmlns:p14="http://schemas.microsoft.com/office/powerpoint/2010/main" xmlns="" val="1440282091"/>
       </p:ext>
     </p:extLst>
   </p:cSld>
@@ -1342,7 +1352,8 @@
           <a:p>
             <a:fld id="{E926D0E2-BD55-B04E-8C84-99E27348D69A}" type="datetimeFigureOut">
               <a:rPr lang="en-US" smtClean="0"/>
-              <a:t>3/23/12</a:t>
+              <a:pPr/>
+              <a:t>4/10/2012</a:t>
             </a:fld>
             <a:endParaRPr lang="en-US"/>
           </a:p>
@@ -1384,6 +1395,7 @@
           <a:p>
             <a:fld id="{785BF839-2994-B34E-9B5B-FE683D92FA11}" type="slidenum">
               <a:rPr lang="en-US" smtClean="0"/>
+              <a:pPr/>
               <a:t>‹#›</a:t>
             </a:fld>
             <a:endParaRPr lang="en-US"/>
@@ -1393,7 +1405,7 @@
     </p:spTree>
     <p:extLst>
       <p:ext uri="{BB962C8B-B14F-4D97-AF65-F5344CB8AC3E}">
-        <p14:creationId xmlns:p14="http://schemas.microsoft.com/office/powerpoint/2010/main" val="1444239288"/>
+        <p14:creationId xmlns:p14="http://schemas.microsoft.com/office/powerpoint/2010/main" xmlns="" val="1444239288"/>
       </p:ext>
     </p:extLst>
   </p:cSld>
@@ -1769,7 +1781,8 @@
           <a:p>
             <a:fld id="{E926D0E2-BD55-B04E-8C84-99E27348D69A}" type="datetimeFigureOut">
               <a:rPr lang="en-US" smtClean="0"/>
-              <a:t>3/23/12</a:t>
+              <a:pPr/>
+              <a:t>4/10/2012</a:t>
             </a:fld>
             <a:endParaRPr lang="en-US"/>
           </a:p>
@@ -1811,6 +1824,7 @@
           <a:p>
             <a:fld id="{785BF839-2994-B34E-9B5B-FE683D92FA11}" type="slidenum">
               <a:rPr lang="en-US" smtClean="0"/>
+              <a:pPr/>
               <a:t>‹#›</a:t>
             </a:fld>
             <a:endParaRPr lang="en-US"/>
@@ -1820,7 +1834,7 @@
     </p:spTree>
     <p:extLst>
       <p:ext uri="{BB962C8B-B14F-4D97-AF65-F5344CB8AC3E}">
-        <p14:creationId xmlns:p14="http://schemas.microsoft.com/office/powerpoint/2010/main" val="2721568684"/>
+        <p14:creationId xmlns:p14="http://schemas.microsoft.com/office/powerpoint/2010/main" xmlns="" val="2721568684"/>
       </p:ext>
     </p:extLst>
   </p:cSld>
@@ -1887,7 +1901,8 @@
           <a:p>
             <a:fld id="{E926D0E2-BD55-B04E-8C84-99E27348D69A}" type="datetimeFigureOut">
               <a:rPr lang="en-US" smtClean="0"/>
-              <a:t>3/23/12</a:t>
+              <a:pPr/>
+              <a:t>4/10/2012</a:t>
             </a:fld>
             <a:endParaRPr lang="en-US"/>
           </a:p>
@@ -1929,6 +1944,7 @@
           <a:p>
             <a:fld id="{785BF839-2994-B34E-9B5B-FE683D92FA11}" type="slidenum">
               <a:rPr lang="en-US" smtClean="0"/>
+              <a:pPr/>
               <a:t>‹#›</a:t>
             </a:fld>
             <a:endParaRPr lang="en-US"/>
@@ -1938,7 +1954,7 @@
     </p:spTree>
     <p:extLst>
       <p:ext uri="{BB962C8B-B14F-4D97-AF65-F5344CB8AC3E}">
-        <p14:creationId xmlns:p14="http://schemas.microsoft.com/office/powerpoint/2010/main" val="439613256"/>
+        <p14:creationId xmlns:p14="http://schemas.microsoft.com/office/powerpoint/2010/main" xmlns="" val="439613256"/>
       </p:ext>
     </p:extLst>
   </p:cSld>
@@ -1982,7 +1998,8 @@
           <a:p>
             <a:fld id="{E926D0E2-BD55-B04E-8C84-99E27348D69A}" type="datetimeFigureOut">
               <a:rPr lang="en-US" smtClean="0"/>
-              <a:t>3/23/12</a:t>
+              <a:pPr/>
+              <a:t>4/10/2012</a:t>
             </a:fld>
             <a:endParaRPr lang="en-US"/>
           </a:p>
@@ -2024,6 +2041,7 @@
           <a:p>
             <a:fld id="{785BF839-2994-B34E-9B5B-FE683D92FA11}" type="slidenum">
               <a:rPr lang="en-US" smtClean="0"/>
+              <a:pPr/>
               <a:t>‹#›</a:t>
             </a:fld>
             <a:endParaRPr lang="en-US"/>
@@ -2033,7 +2051,7 @@
     </p:spTree>
     <p:extLst>
       <p:ext uri="{BB962C8B-B14F-4D97-AF65-F5344CB8AC3E}">
-        <p14:creationId xmlns:p14="http://schemas.microsoft.com/office/powerpoint/2010/main" val="1522478377"/>
+        <p14:creationId xmlns:p14="http://schemas.microsoft.com/office/powerpoint/2010/main" xmlns="" val="1522478377"/>
       </p:ext>
     </p:extLst>
   </p:cSld>
@@ -2259,7 +2277,8 @@
           <a:p>
             <a:fld id="{E926D0E2-BD55-B04E-8C84-99E27348D69A}" type="datetimeFigureOut">
               <a:rPr lang="en-US" smtClean="0"/>
-              <a:t>3/23/12</a:t>
+              <a:pPr/>
+              <a:t>4/10/2012</a:t>
             </a:fld>
             <a:endParaRPr lang="en-US"/>
           </a:p>
@@ -2301,6 +2320,7 @@
           <a:p>
             <a:fld id="{785BF839-2994-B34E-9B5B-FE683D92FA11}" type="slidenum">
               <a:rPr lang="en-US" smtClean="0"/>
+              <a:pPr/>
               <a:t>‹#›</a:t>
             </a:fld>
             <a:endParaRPr lang="en-US"/>
@@ -2310,7 +2330,7 @@
     </p:spTree>
     <p:extLst>
       <p:ext uri="{BB962C8B-B14F-4D97-AF65-F5344CB8AC3E}">
-        <p14:creationId xmlns:p14="http://schemas.microsoft.com/office/powerpoint/2010/main" val="3603823383"/>
+        <p14:creationId xmlns:p14="http://schemas.microsoft.com/office/powerpoint/2010/main" xmlns="" val="3603823383"/>
       </p:ext>
     </p:extLst>
   </p:cSld>
@@ -2512,7 +2532,8 @@
           <a:p>
             <a:fld id="{E926D0E2-BD55-B04E-8C84-99E27348D69A}" type="datetimeFigureOut">
               <a:rPr lang="en-US" smtClean="0"/>
-              <a:t>3/23/12</a:t>
+              <a:pPr/>
+              <a:t>4/10/2012</a:t>
             </a:fld>
             <a:endParaRPr lang="en-US"/>
           </a:p>
@@ -2554,6 +2575,7 @@
           <a:p>
             <a:fld id="{785BF839-2994-B34E-9B5B-FE683D92FA11}" type="slidenum">
               <a:rPr lang="en-US" smtClean="0"/>
+              <a:pPr/>
               <a:t>‹#›</a:t>
             </a:fld>
             <a:endParaRPr lang="en-US"/>
@@ -2563,7 +2585,7 @@
     </p:spTree>
     <p:extLst>
       <p:ext uri="{BB962C8B-B14F-4D97-AF65-F5344CB8AC3E}">
-        <p14:creationId xmlns:p14="http://schemas.microsoft.com/office/powerpoint/2010/main" val="1048484055"/>
+        <p14:creationId xmlns:p14="http://schemas.microsoft.com/office/powerpoint/2010/main" xmlns="" val="1048484055"/>
       </p:ext>
     </p:extLst>
   </p:cSld>
@@ -2725,7 +2747,8 @@
           <a:p>
             <a:fld id="{E926D0E2-BD55-B04E-8C84-99E27348D69A}" type="datetimeFigureOut">
               <a:rPr lang="en-US" smtClean="0"/>
-              <a:t>3/23/12</a:t>
+              <a:pPr/>
+              <a:t>4/10/2012</a:t>
             </a:fld>
             <a:endParaRPr lang="en-US"/>
           </a:p>
@@ -2803,6 +2826,7 @@
           <a:p>
             <a:fld id="{785BF839-2994-B34E-9B5B-FE683D92FA11}" type="slidenum">
               <a:rPr lang="en-US" smtClean="0"/>
+              <a:pPr/>
               <a:t>‹#›</a:t>
             </a:fld>
             <a:endParaRPr lang="en-US"/>
@@ -2812,7 +2836,7 @@
     </p:spTree>
     <p:extLst>
       <p:ext uri="{BB962C8B-B14F-4D97-AF65-F5344CB8AC3E}">
-        <p14:creationId xmlns:p14="http://schemas.microsoft.com/office/powerpoint/2010/main" val="2061120300"/>
+        <p14:creationId xmlns:p14="http://schemas.microsoft.com/office/powerpoint/2010/main" xmlns="" val="2061120300"/>
       </p:ext>
     </p:extLst>
   </p:cSld>
@@ -3108,7 +3132,7 @@
         </p:nvSpPr>
         <p:spPr>
           <a:xfrm>
-            <a:off x="5582978" y="1146443"/>
+            <a:off x="5582978" y="539096"/>
             <a:ext cx="699710" cy="275251"/>
           </a:xfrm>
           <a:prstGeom prst="roundRect">
@@ -3227,7 +3251,7 @@
         </p:nvCxnSpPr>
         <p:spPr>
           <a:xfrm>
-            <a:off x="5932833" y="841643"/>
+            <a:off x="5932833" y="234296"/>
             <a:ext cx="0" cy="304800"/>
           </a:xfrm>
           <a:prstGeom prst="straightConnector1">
@@ -3269,8 +3293,8 @@
         </p:nvCxnSpPr>
         <p:spPr>
           <a:xfrm>
-            <a:off x="5932833" y="1421694"/>
-            <a:ext cx="0" cy="639149"/>
+            <a:off x="5932833" y="814347"/>
+            <a:ext cx="0" cy="607347"/>
           </a:xfrm>
           <a:prstGeom prst="straightConnector1">
             <a:avLst/>
@@ -3391,8 +3415,8 @@
         </p:nvSpPr>
         <p:spPr>
           <a:xfrm>
-            <a:off x="869345" y="2060634"/>
-            <a:ext cx="2895600" cy="2057610"/>
+            <a:off x="869345" y="1421694"/>
+            <a:ext cx="2895600" cy="2696550"/>
           </a:xfrm>
           <a:prstGeom prst="roundRect">
             <a:avLst/>
@@ -3429,8 +3453,8 @@
                 <a:solidFill>
                   <a:srgbClr val="000000"/>
                 </a:solidFill>
-                <a:latin typeface="Courier"/>
-                <a:cs typeface="Courier"/>
+                <a:latin typeface="Consolas" pitchFamily="49" charset="0"/>
+                <a:cs typeface="Consolas" pitchFamily="49" charset="0"/>
               </a:rPr>
               <a:t>int</a:t>
             </a:r>
@@ -3439,30 +3463,32 @@
                 <a:solidFill>
                   <a:srgbClr val="000000"/>
                 </a:solidFill>
-                <a:latin typeface="Courier"/>
-                <a:cs typeface="Courier"/>
-              </a:rPr>
-              <a:t> </a:t>
-            </a:r>
+                <a:latin typeface="Consolas" pitchFamily="49" charset="0"/>
+                <a:cs typeface="Consolas" pitchFamily="49" charset="0"/>
+              </a:rPr>
+              <a:t> iter_0 = 2;</a:t>
+            </a:r>
+          </a:p>
+          <a:p>
             <a:r>
               <a:rPr lang="en-US" sz="900" dirty="0" err="1" smtClean="0">
                 <a:solidFill>
                   <a:srgbClr val="000000"/>
                 </a:solidFill>
-                <a:latin typeface="Courier"/>
-                <a:cs typeface="Courier"/>
-              </a:rPr>
-              <a:t>iter</a:t>
+                <a:latin typeface="Consolas" pitchFamily="49" charset="0"/>
+                <a:cs typeface="Consolas" pitchFamily="49" charset="0"/>
+              </a:rPr>
+              <a:t>int</a:t>
             </a:r>
             <a:r>
               <a:rPr lang="en-US" sz="900" dirty="0" smtClean="0">
                 <a:solidFill>
                   <a:srgbClr val="000000"/>
                 </a:solidFill>
-                <a:latin typeface="Courier"/>
-                <a:cs typeface="Courier"/>
-              </a:rPr>
-              <a:t> = 0;</a:t>
+                <a:latin typeface="Consolas" pitchFamily="49" charset="0"/>
+                <a:cs typeface="Consolas" pitchFamily="49" charset="0"/>
+              </a:rPr>
+              <a:t> init   = 0;</a:t>
             </a:r>
           </a:p>
           <a:p>
@@ -3471,8 +3497,8 @@
                 <a:solidFill>
                   <a:srgbClr val="000000"/>
                 </a:solidFill>
-                <a:latin typeface="Courier"/>
-                <a:cs typeface="Courier"/>
+                <a:latin typeface="Consolas" pitchFamily="49" charset="0"/>
+                <a:cs typeface="Consolas" pitchFamily="49" charset="0"/>
               </a:rPr>
               <a:t>int</a:t>
             </a:r>
@@ -3481,10 +3507,10 @@
                 <a:solidFill>
                   <a:srgbClr val="000000"/>
                 </a:solidFill>
-                <a:latin typeface="Courier"/>
-                <a:cs typeface="Courier"/>
-              </a:rPr>
-              <a:t> start = 0;</a:t>
+                <a:latin typeface="Consolas" pitchFamily="49" charset="0"/>
+                <a:cs typeface="Consolas" pitchFamily="49" charset="0"/>
+              </a:rPr>
+              <a:t> start_0 = 2;</a:t>
             </a:r>
           </a:p>
           <a:p>
@@ -3493,8 +3519,8 @@
                 <a:solidFill>
                   <a:srgbClr val="000000"/>
                 </a:solidFill>
-                <a:latin typeface="Courier"/>
-                <a:cs typeface="Courier"/>
+                <a:latin typeface="Consolas" pitchFamily="49" charset="0"/>
+                <a:cs typeface="Consolas" pitchFamily="49" charset="0"/>
               </a:rPr>
               <a:t>int</a:t>
             </a:r>
@@ -3503,10 +3529,10 @@
                 <a:solidFill>
                   <a:srgbClr val="000000"/>
                 </a:solidFill>
-                <a:latin typeface="Courier"/>
-                <a:cs typeface="Courier"/>
-              </a:rPr>
-              <a:t> reps = 2;</a:t>
+                <a:latin typeface="Consolas" pitchFamily="49" charset="0"/>
+                <a:cs typeface="Consolas" pitchFamily="49" charset="0"/>
+              </a:rPr>
+              <a:t> reps_0 = 2;</a:t>
             </a:r>
           </a:p>
           <a:p>
@@ -3515,8 +3541,8 @@
                 <a:solidFill>
                   <a:srgbClr val="000000"/>
                 </a:solidFill>
-                <a:latin typeface="Courier"/>
-                <a:cs typeface="Courier"/>
+                <a:latin typeface="Consolas" pitchFamily="49" charset="0"/>
+                <a:cs typeface="Consolas" pitchFamily="49" charset="0"/>
               </a:rPr>
               <a:t>int</a:t>
             </a:r>
@@ -3525,8 +3551,8 @@
                 <a:solidFill>
                   <a:srgbClr val="000000"/>
                 </a:solidFill>
-                <a:latin typeface="Courier"/>
-                <a:cs typeface="Courier"/>
+                <a:latin typeface="Consolas" pitchFamily="49" charset="0"/>
+                <a:cs typeface="Consolas" pitchFamily="49" charset="0"/>
               </a:rPr>
               <a:t> total = 6;</a:t>
             </a:r>
@@ -3536,8 +3562,8 @@
               <a:solidFill>
                 <a:srgbClr val="000000"/>
               </a:solidFill>
-              <a:latin typeface="Courier"/>
-              <a:cs typeface="Courier"/>
+              <a:latin typeface="Consolas" pitchFamily="49" charset="0"/>
+              <a:cs typeface="Consolas" pitchFamily="49" charset="0"/>
             </a:endParaRPr>
           </a:p>
           <a:p>
@@ -3546,40 +3572,23 @@
                 <a:solidFill>
                   <a:srgbClr val="000000"/>
                 </a:solidFill>
-                <a:latin typeface="Courier"/>
-                <a:cs typeface="Courier"/>
+                <a:latin typeface="Consolas" pitchFamily="49" charset="0"/>
+                <a:cs typeface="Consolas" pitchFamily="49" charset="0"/>
               </a:rPr>
               <a:t>work pop 1 push 1 {</a:t>
             </a:r>
           </a:p>
           <a:p>
             <a:r>
-              <a:rPr lang="en-US" sz="900" dirty="0">
-                <a:solidFill>
-                  <a:srgbClr val="000000"/>
-                </a:solidFill>
-                <a:latin typeface="Courier"/>
-                <a:cs typeface="Courier"/>
-              </a:rPr>
-              <a:t> </a:t>
-            </a:r>
-            <a:r>
               <a:rPr lang="en-US" sz="900" dirty="0" smtClean="0">
                 <a:solidFill>
                   <a:srgbClr val="000000"/>
                 </a:solidFill>
-                <a:latin typeface="Courier"/>
-                <a:cs typeface="Courier"/>
-              </a:rPr>
-              <a:t>     ...</a:t>
-            </a:r>
-            <a:endParaRPr lang="en-US" sz="900" dirty="0">
-              <a:solidFill>
-                <a:srgbClr val="000000"/>
-              </a:solidFill>
-              <a:latin typeface="Courier"/>
-              <a:cs typeface="Courier"/>
-            </a:endParaRPr>
+                <a:latin typeface="Consolas" pitchFamily="49" charset="0"/>
+                <a:cs typeface="Consolas" pitchFamily="49" charset="0"/>
+              </a:rPr>
+              <a:t>      ...</a:t>
+            </a:r>
           </a:p>
           <a:p>
             <a:r>
@@ -3587,8 +3596,8 @@
                 <a:solidFill>
                   <a:srgbClr val="000000"/>
                 </a:solidFill>
-                <a:latin typeface="Courier"/>
-                <a:cs typeface="Courier"/>
+                <a:latin typeface="Consolas" pitchFamily="49" charset="0"/>
+                <a:cs typeface="Consolas" pitchFamily="49" charset="0"/>
               </a:rPr>
               <a:t>   </a:t>
             </a:r>
@@ -3597,8 +3606,8 @@
                 <a:solidFill>
                   <a:srgbClr val="000000"/>
                 </a:solidFill>
-                <a:latin typeface="Courier"/>
-                <a:cs typeface="Courier"/>
+                <a:latin typeface="Consolas" pitchFamily="49" charset="0"/>
+                <a:cs typeface="Consolas" pitchFamily="49" charset="0"/>
               </a:rPr>
               <a:t>int</a:t>
             </a:r>
@@ -3607,30 +3616,22 @@
                 <a:solidFill>
                   <a:srgbClr val="000000"/>
                 </a:solidFill>
-                <a:latin typeface="Courier"/>
-                <a:cs typeface="Courier"/>
-              </a:rPr>
-              <a:t> counter = </a:t>
-            </a:r>
-            <a:r>
-              <a:rPr lang="en-US" sz="900" dirty="0" err="1" smtClean="0">
-                <a:solidFill>
-                  <a:srgbClr val="000000"/>
-                </a:solidFill>
-                <a:latin typeface="Courier"/>
-                <a:cs typeface="Courier"/>
-              </a:rPr>
-              <a:t>iter</a:t>
-            </a:r>
+                <a:latin typeface="Consolas" pitchFamily="49" charset="0"/>
+                <a:cs typeface="Consolas" pitchFamily="49" charset="0"/>
+              </a:rPr>
+              <a:t> counter = iter_0;</a:t>
+            </a:r>
+          </a:p>
+          <a:p>
             <a:r>
               <a:rPr lang="en-US" sz="900" dirty="0" smtClean="0">
                 <a:solidFill>
                   <a:srgbClr val="000000"/>
                 </a:solidFill>
-                <a:latin typeface="Courier"/>
-                <a:cs typeface="Courier"/>
-              </a:rPr>
-              <a:t>;</a:t>
+                <a:latin typeface="Consolas" pitchFamily="49" charset="0"/>
+                <a:cs typeface="Consolas" pitchFamily="49" charset="0"/>
+              </a:rPr>
+              <a:t>      ...</a:t>
             </a:r>
           </a:p>
           <a:p>
@@ -3639,176 +3640,59 @@
                 <a:solidFill>
                   <a:srgbClr val="000000"/>
                 </a:solidFill>
-                <a:latin typeface="Courier"/>
-                <a:cs typeface="Courier"/>
-              </a:rPr>
-              <a:t>      ...</a:t>
-            </a:r>
-          </a:p>
-          <a:p>
-            <a:r>
-              <a:rPr lang="en-US" sz="900" dirty="0">
-                <a:solidFill>
-                  <a:srgbClr val="000000"/>
-                </a:solidFill>
-                <a:latin typeface="Courier"/>
-                <a:cs typeface="Courier"/>
-              </a:rPr>
-              <a:t> </a:t>
-            </a:r>
+                <a:latin typeface="Consolas" pitchFamily="49" charset="0"/>
+                <a:cs typeface="Consolas" pitchFamily="49" charset="0"/>
+              </a:rPr>
+              <a:t>   iter_0++;</a:t>
+            </a:r>
+          </a:p>
+          <a:p>
             <a:r>
               <a:rPr lang="en-US" sz="900" dirty="0" smtClean="0">
                 <a:solidFill>
                   <a:srgbClr val="000000"/>
                 </a:solidFill>
-                <a:latin typeface="Courier"/>
-                <a:cs typeface="Courier"/>
-              </a:rPr>
-              <a:t>  </a:t>
-            </a:r>
-            <a:r>
-              <a:rPr lang="en-US" sz="900" dirty="0" err="1" smtClean="0">
-                <a:solidFill>
-                  <a:srgbClr val="000000"/>
-                </a:solidFill>
-                <a:latin typeface="Courier"/>
-                <a:cs typeface="Courier"/>
-              </a:rPr>
-              <a:t>iter</a:t>
-            </a:r>
+                <a:latin typeface="Consolas" pitchFamily="49" charset="0"/>
+                <a:cs typeface="Consolas" pitchFamily="49" charset="0"/>
+              </a:rPr>
+              <a:t>   if ((iter_0–(start_0+init)–reps_0) </a:t>
+            </a:r>
+          </a:p>
+          <a:p>
             <a:r>
               <a:rPr lang="en-US" sz="900" dirty="0" smtClean="0">
                 <a:solidFill>
                   <a:srgbClr val="000000"/>
                 </a:solidFill>
-                <a:latin typeface="Courier"/>
-                <a:cs typeface="Courier"/>
-              </a:rPr>
-              <a:t>++;</a:t>
-            </a:r>
-          </a:p>
-          <a:p>
-            <a:r>
-              <a:rPr lang="en-US" sz="900" dirty="0">
-                <a:solidFill>
-                  <a:srgbClr val="000000"/>
-                </a:solidFill>
-                <a:latin typeface="Courier"/>
-                <a:cs typeface="Courier"/>
-              </a:rPr>
-              <a:t> </a:t>
-            </a:r>
+                <a:latin typeface="Consolas" pitchFamily="49" charset="0"/>
+                <a:cs typeface="Consolas" pitchFamily="49" charset="0"/>
+              </a:rPr>
+              <a:t>          % total == 0)</a:t>
+            </a:r>
+          </a:p>
+          <a:p>
             <a:r>
               <a:rPr lang="en-US" sz="900" dirty="0" smtClean="0">
                 <a:solidFill>
                   <a:srgbClr val="000000"/>
                 </a:solidFill>
-                <a:latin typeface="Courier"/>
-                <a:cs typeface="Courier"/>
-              </a:rPr>
-              <a:t>  if ((</a:t>
-            </a:r>
-            <a:r>
-              <a:rPr lang="en-US" sz="900" dirty="0" err="1" smtClean="0">
-                <a:solidFill>
-                  <a:srgbClr val="000000"/>
-                </a:solidFill>
-                <a:latin typeface="Courier"/>
-                <a:cs typeface="Courier"/>
-              </a:rPr>
-              <a:t>iter</a:t>
-            </a:r>
+                <a:latin typeface="Consolas" pitchFamily="49" charset="0"/>
+                <a:cs typeface="Consolas" pitchFamily="49" charset="0"/>
+              </a:rPr>
+              <a:t>     iter_0 = iter_0+total-reps_0;</a:t>
+            </a:r>
+          </a:p>
+          <a:p>
             <a:r>
               <a:rPr lang="en-US" sz="900" dirty="0" smtClean="0">
                 <a:solidFill>
                   <a:srgbClr val="000000"/>
                 </a:solidFill>
-                <a:latin typeface="Courier"/>
-                <a:cs typeface="Courier"/>
-              </a:rPr>
-              <a:t>–start–reps) % total == 0)</a:t>
-            </a:r>
-          </a:p>
-          <a:p>
-            <a:r>
-              <a:rPr lang="en-US" sz="900" dirty="0">
-                <a:solidFill>
-                  <a:srgbClr val="000000"/>
-                </a:solidFill>
-                <a:latin typeface="Courier"/>
-                <a:cs typeface="Courier"/>
-              </a:rPr>
-              <a:t> </a:t>
-            </a:r>
-            <a:r>
-              <a:rPr lang="en-US" sz="900" dirty="0" smtClean="0">
-                <a:solidFill>
-                  <a:srgbClr val="000000"/>
-                </a:solidFill>
-                <a:latin typeface="Courier"/>
-                <a:cs typeface="Courier"/>
-              </a:rPr>
-              <a:t>    </a:t>
-            </a:r>
-            <a:r>
-              <a:rPr lang="en-US" sz="900" dirty="0" err="1" smtClean="0">
-                <a:solidFill>
-                  <a:srgbClr val="000000"/>
-                </a:solidFill>
-                <a:latin typeface="Courier"/>
-                <a:cs typeface="Courier"/>
-              </a:rPr>
-              <a:t>iter</a:t>
-            </a:r>
-            <a:r>
-              <a:rPr lang="en-US" sz="900" dirty="0" smtClean="0">
-                <a:solidFill>
-                  <a:srgbClr val="000000"/>
-                </a:solidFill>
-                <a:latin typeface="Courier"/>
-                <a:cs typeface="Courier"/>
-              </a:rPr>
-              <a:t> = </a:t>
-            </a:r>
-            <a:r>
-              <a:rPr lang="en-US" sz="900" dirty="0" err="1" smtClean="0">
-                <a:solidFill>
-                  <a:srgbClr val="000000"/>
-                </a:solidFill>
-                <a:latin typeface="Courier"/>
-                <a:cs typeface="Courier"/>
-              </a:rPr>
-              <a:t>iter+total</a:t>
-            </a:r>
-            <a:r>
-              <a:rPr lang="en-US" sz="900" dirty="0" smtClean="0">
-                <a:solidFill>
-                  <a:srgbClr val="000000"/>
-                </a:solidFill>
-                <a:latin typeface="Courier"/>
-                <a:cs typeface="Courier"/>
-              </a:rPr>
-              <a:t>-reps;</a:t>
-            </a:r>
-          </a:p>
-          <a:p>
-            <a:r>
-              <a:rPr lang="en-US" sz="900" dirty="0" smtClean="0">
-                <a:solidFill>
-                  <a:srgbClr val="000000"/>
-                </a:solidFill>
-                <a:latin typeface="Courier"/>
-                <a:cs typeface="Courier"/>
+                <a:latin typeface="Consolas" pitchFamily="49" charset="0"/>
+                <a:cs typeface="Consolas" pitchFamily="49" charset="0"/>
               </a:rPr>
               <a:t>}</a:t>
             </a:r>
-            <a:endParaRPr lang="en-US" sz="900" dirty="0">
-              <a:solidFill>
-                <a:srgbClr val="000000"/>
-              </a:solidFill>
-              <a:latin typeface="Courier"/>
-              <a:cs typeface="Courier"/>
-            </a:endParaRPr>
           </a:p>
         </p:txBody>
       </p:sp>
@@ -3823,8 +3707,8 @@
         </p:nvCxnSpPr>
         <p:spPr>
           <a:xfrm flipH="1">
-            <a:off x="2317145" y="1421694"/>
-            <a:ext cx="3615688" cy="638940"/>
+            <a:off x="2317145" y="814347"/>
+            <a:ext cx="3615688" cy="607347"/>
           </a:xfrm>
           <a:prstGeom prst="straightConnector1">
             <a:avLst/>
@@ -3862,8 +3746,8 @@
         </p:nvSpPr>
         <p:spPr>
           <a:xfrm>
-            <a:off x="4483509" y="2060843"/>
-            <a:ext cx="2898648" cy="2060448"/>
+            <a:off x="4483509" y="1421694"/>
+            <a:ext cx="2898648" cy="2699597"/>
           </a:xfrm>
           <a:prstGeom prst="roundRect">
             <a:avLst/>
@@ -3900,8 +3784,8 @@
                 <a:solidFill>
                   <a:srgbClr val="000000"/>
                 </a:solidFill>
-                <a:latin typeface="Courier"/>
-                <a:cs typeface="Courier"/>
+                <a:latin typeface="Consolas" pitchFamily="49" charset="0"/>
+                <a:cs typeface="Consolas" pitchFamily="49" charset="0"/>
               </a:rPr>
               <a:t>int</a:t>
             </a:r>
@@ -3910,115 +3794,221 @@
                 <a:solidFill>
                   <a:srgbClr val="000000"/>
                 </a:solidFill>
-                <a:latin typeface="Courier"/>
-                <a:cs typeface="Courier"/>
+                <a:latin typeface="Consolas" pitchFamily="49" charset="0"/>
+                <a:cs typeface="Consolas" pitchFamily="49" charset="0"/>
               </a:rPr>
               <a:t> </a:t>
             </a:r>
             <a:r>
+              <a:rPr lang="en-US" sz="900" dirty="0" smtClean="0">
+                <a:solidFill>
+                  <a:srgbClr val="000000"/>
+                </a:solidFill>
+                <a:latin typeface="Consolas" pitchFamily="49" charset="0"/>
+                <a:cs typeface="Consolas" pitchFamily="49" charset="0"/>
+              </a:rPr>
+              <a:t>iter_1 </a:t>
+            </a:r>
+            <a:r>
+              <a:rPr lang="en-US" sz="900" dirty="0" smtClean="0">
+                <a:solidFill>
+                  <a:srgbClr val="000000"/>
+                </a:solidFill>
+                <a:latin typeface="Consolas" pitchFamily="49" charset="0"/>
+                <a:cs typeface="Consolas" pitchFamily="49" charset="0"/>
+              </a:rPr>
+              <a:t>= 2</a:t>
+            </a:r>
+            <a:r>
+              <a:rPr lang="en-US" sz="900" dirty="0" smtClean="0">
+                <a:solidFill>
+                  <a:srgbClr val="000000"/>
+                </a:solidFill>
+                <a:latin typeface="Consolas" pitchFamily="49" charset="0"/>
+                <a:cs typeface="Consolas" pitchFamily="49" charset="0"/>
+              </a:rPr>
+              <a:t>;</a:t>
+            </a:r>
+          </a:p>
+          <a:p>
+            <a:r>
               <a:rPr lang="en-US" sz="900" dirty="0" err="1" smtClean="0">
                 <a:solidFill>
                   <a:srgbClr val="000000"/>
                 </a:solidFill>
-                <a:latin typeface="Courier"/>
-                <a:cs typeface="Courier"/>
-              </a:rPr>
-              <a:t>iter</a:t>
+                <a:latin typeface="Consolas" pitchFamily="49" charset="0"/>
+                <a:cs typeface="Consolas" pitchFamily="49" charset="0"/>
+              </a:rPr>
+              <a:t>int</a:t>
             </a:r>
             <a:r>
               <a:rPr lang="en-US" sz="900" dirty="0" smtClean="0">
                 <a:solidFill>
                   <a:srgbClr val="000000"/>
                 </a:solidFill>
-                <a:latin typeface="Courier"/>
-                <a:cs typeface="Courier"/>
-              </a:rPr>
-              <a:t> = 2;</a:t>
-            </a:r>
-          </a:p>
-          <a:p>
-            <a:r>
-              <a:rPr lang="en-US" sz="900" dirty="0" err="1" smtClean="0">
-                <a:solidFill>
-                  <a:srgbClr val="000000"/>
-                </a:solidFill>
-                <a:latin typeface="Courier"/>
-                <a:cs typeface="Courier"/>
-              </a:rPr>
-              <a:t>int</a:t>
+                <a:latin typeface="Consolas" pitchFamily="49" charset="0"/>
+                <a:cs typeface="Consolas" pitchFamily="49" charset="0"/>
+              </a:rPr>
+              <a:t> init   = 0</a:t>
             </a:r>
             <a:r>
               <a:rPr lang="en-US" sz="900" dirty="0" smtClean="0">
                 <a:solidFill>
                   <a:srgbClr val="000000"/>
                 </a:solidFill>
-                <a:latin typeface="Courier"/>
-                <a:cs typeface="Courier"/>
-              </a:rPr>
-              <a:t> start = 2;</a:t>
-            </a:r>
-          </a:p>
-          <a:p>
-            <a:r>
-              <a:rPr lang="en-US" sz="900" dirty="0" err="1" smtClean="0">
-                <a:solidFill>
-                  <a:srgbClr val="000000"/>
-                </a:solidFill>
-                <a:latin typeface="Courier"/>
-                <a:cs typeface="Courier"/>
-              </a:rPr>
-              <a:t>int</a:t>
-            </a:r>
-            <a:r>
-              <a:rPr lang="en-US" sz="900" dirty="0" smtClean="0">
-                <a:solidFill>
-                  <a:srgbClr val="000000"/>
-                </a:solidFill>
-                <a:latin typeface="Courier"/>
-                <a:cs typeface="Courier"/>
-              </a:rPr>
-              <a:t> reps = 2;</a:t>
-            </a:r>
-          </a:p>
-          <a:p>
-            <a:r>
-              <a:rPr lang="en-US" sz="900" dirty="0" err="1" smtClean="0">
-                <a:solidFill>
-                  <a:srgbClr val="000000"/>
-                </a:solidFill>
-                <a:latin typeface="Courier"/>
-                <a:cs typeface="Courier"/>
-              </a:rPr>
-              <a:t>int</a:t>
-            </a:r>
-            <a:r>
-              <a:rPr lang="en-US" sz="900" dirty="0" smtClean="0">
-                <a:solidFill>
-                  <a:srgbClr val="000000"/>
-                </a:solidFill>
-                <a:latin typeface="Courier"/>
-                <a:cs typeface="Courier"/>
-              </a:rPr>
-              <a:t> total = 6;</a:t>
-            </a:r>
-          </a:p>
-          <a:p>
+                <a:latin typeface="Consolas" pitchFamily="49" charset="0"/>
+                <a:cs typeface="Consolas" pitchFamily="49" charset="0"/>
+              </a:rPr>
+              <a:t>;</a:t>
+            </a:r>
             <a:endParaRPr lang="en-US" sz="900" dirty="0" smtClean="0">
               <a:solidFill>
                 <a:srgbClr val="000000"/>
               </a:solidFill>
-              <a:latin typeface="Courier"/>
-              <a:cs typeface="Courier"/>
+              <a:latin typeface="Consolas" pitchFamily="49" charset="0"/>
+              <a:cs typeface="Consolas" pitchFamily="49" charset="0"/>
             </a:endParaRPr>
           </a:p>
           <a:p>
             <a:r>
+              <a:rPr lang="en-US" sz="900" dirty="0" err="1" smtClean="0">
+                <a:solidFill>
+                  <a:srgbClr val="000000"/>
+                </a:solidFill>
+                <a:latin typeface="Consolas" pitchFamily="49" charset="0"/>
+                <a:cs typeface="Consolas" pitchFamily="49" charset="0"/>
+              </a:rPr>
+              <a:t>int</a:t>
+            </a:r>
+            <a:r>
               <a:rPr lang="en-US" sz="900" dirty="0" smtClean="0">
                 <a:solidFill>
                   <a:srgbClr val="000000"/>
                 </a:solidFill>
-                <a:latin typeface="Courier"/>
-                <a:cs typeface="Courier"/>
+                <a:latin typeface="Consolas" pitchFamily="49" charset="0"/>
+                <a:cs typeface="Consolas" pitchFamily="49" charset="0"/>
+              </a:rPr>
+              <a:t> </a:t>
+            </a:r>
+            <a:r>
+              <a:rPr lang="en-US" sz="900" dirty="0" smtClean="0">
+                <a:solidFill>
+                  <a:srgbClr val="000000"/>
+                </a:solidFill>
+                <a:latin typeface="Consolas" pitchFamily="49" charset="0"/>
+                <a:cs typeface="Consolas" pitchFamily="49" charset="0"/>
+              </a:rPr>
+              <a:t>start_1 </a:t>
+            </a:r>
+            <a:r>
+              <a:rPr lang="en-US" sz="900" dirty="0" smtClean="0">
+                <a:solidFill>
+                  <a:srgbClr val="000000"/>
+                </a:solidFill>
+                <a:latin typeface="Consolas" pitchFamily="49" charset="0"/>
+                <a:cs typeface="Consolas" pitchFamily="49" charset="0"/>
+              </a:rPr>
+              <a:t>= </a:t>
+            </a:r>
+            <a:r>
+              <a:rPr lang="en-US" sz="900" dirty="0" smtClean="0">
+                <a:solidFill>
+                  <a:srgbClr val="000000"/>
+                </a:solidFill>
+                <a:latin typeface="Consolas" pitchFamily="49" charset="0"/>
+                <a:cs typeface="Consolas" pitchFamily="49" charset="0"/>
+              </a:rPr>
+              <a:t>2;</a:t>
+            </a:r>
+            <a:endParaRPr lang="en-US" sz="900" dirty="0" smtClean="0">
+              <a:solidFill>
+                <a:srgbClr val="000000"/>
+              </a:solidFill>
+              <a:latin typeface="Consolas" pitchFamily="49" charset="0"/>
+              <a:cs typeface="Consolas" pitchFamily="49" charset="0"/>
+            </a:endParaRPr>
+          </a:p>
+          <a:p>
+            <a:r>
+              <a:rPr lang="en-US" sz="900" dirty="0" err="1" smtClean="0">
+                <a:solidFill>
+                  <a:srgbClr val="000000"/>
+                </a:solidFill>
+                <a:latin typeface="Consolas" pitchFamily="49" charset="0"/>
+                <a:cs typeface="Consolas" pitchFamily="49" charset="0"/>
+              </a:rPr>
+              <a:t>int</a:t>
+            </a:r>
+            <a:r>
+              <a:rPr lang="en-US" sz="900" dirty="0" smtClean="0">
+                <a:solidFill>
+                  <a:srgbClr val="000000"/>
+                </a:solidFill>
+                <a:latin typeface="Consolas" pitchFamily="49" charset="0"/>
+                <a:cs typeface="Consolas" pitchFamily="49" charset="0"/>
+              </a:rPr>
+              <a:t> </a:t>
+            </a:r>
+            <a:r>
+              <a:rPr lang="en-US" sz="900" dirty="0" smtClean="0">
+                <a:solidFill>
+                  <a:srgbClr val="000000"/>
+                </a:solidFill>
+                <a:latin typeface="Consolas" pitchFamily="49" charset="0"/>
+                <a:cs typeface="Consolas" pitchFamily="49" charset="0"/>
+              </a:rPr>
+              <a:t>reps_1 </a:t>
+            </a:r>
+            <a:r>
+              <a:rPr lang="en-US" sz="900" dirty="0" smtClean="0">
+                <a:solidFill>
+                  <a:srgbClr val="000000"/>
+                </a:solidFill>
+                <a:latin typeface="Consolas" pitchFamily="49" charset="0"/>
+                <a:cs typeface="Consolas" pitchFamily="49" charset="0"/>
+              </a:rPr>
+              <a:t>= 2;</a:t>
+            </a:r>
+          </a:p>
+          <a:p>
+            <a:r>
+              <a:rPr lang="en-US" sz="900" dirty="0" err="1" smtClean="0">
+                <a:solidFill>
+                  <a:srgbClr val="000000"/>
+                </a:solidFill>
+                <a:latin typeface="Consolas" pitchFamily="49" charset="0"/>
+                <a:cs typeface="Consolas" pitchFamily="49" charset="0"/>
+              </a:rPr>
+              <a:t>int</a:t>
+            </a:r>
+            <a:r>
+              <a:rPr lang="en-US" sz="900" dirty="0" smtClean="0">
+                <a:solidFill>
+                  <a:srgbClr val="000000"/>
+                </a:solidFill>
+                <a:latin typeface="Consolas" pitchFamily="49" charset="0"/>
+                <a:cs typeface="Consolas" pitchFamily="49" charset="0"/>
+              </a:rPr>
+              <a:t> total = 6;</a:t>
+            </a:r>
+          </a:p>
+          <a:p>
+            <a:endParaRPr lang="en-US" sz="900" dirty="0" smtClean="0">
+              <a:solidFill>
+                <a:srgbClr val="000000"/>
+              </a:solidFill>
+              <a:latin typeface="Consolas" pitchFamily="49" charset="0"/>
+              <a:cs typeface="Consolas" pitchFamily="49" charset="0"/>
+            </a:endParaRPr>
+          </a:p>
+          <a:p>
+            <a:r>
+              <a:rPr lang="en-US" sz="900" dirty="0" smtClean="0">
+                <a:solidFill>
+                  <a:srgbClr val="000000"/>
+                </a:solidFill>
+                <a:latin typeface="Consolas" pitchFamily="49" charset="0"/>
+                <a:cs typeface="Consolas" pitchFamily="49" charset="0"/>
               </a:rPr>
               <a:t>work pop 1 push 1 {</a:t>
             </a:r>
@@ -4029,8 +4019,8 @@
                 <a:solidFill>
                   <a:srgbClr val="000000"/>
                 </a:solidFill>
-                <a:latin typeface="Courier"/>
-                <a:cs typeface="Courier"/>
+                <a:latin typeface="Consolas" pitchFamily="49" charset="0"/>
+                <a:cs typeface="Consolas" pitchFamily="49" charset="0"/>
               </a:rPr>
               <a:t> </a:t>
             </a:r>
@@ -4039,8 +4029,8 @@
                 <a:solidFill>
                   <a:srgbClr val="000000"/>
                 </a:solidFill>
-                <a:latin typeface="Courier"/>
-                <a:cs typeface="Courier"/>
+                <a:latin typeface="Consolas" pitchFamily="49" charset="0"/>
+                <a:cs typeface="Consolas" pitchFamily="49" charset="0"/>
               </a:rPr>
               <a:t>     ...</a:t>
             </a:r>
@@ -4048,8 +4038,8 @@
               <a:solidFill>
                 <a:srgbClr val="000000"/>
               </a:solidFill>
-              <a:latin typeface="Courier"/>
-              <a:cs typeface="Courier"/>
+              <a:latin typeface="Consolas" pitchFamily="49" charset="0"/>
+              <a:cs typeface="Consolas" pitchFamily="49" charset="0"/>
             </a:endParaRPr>
           </a:p>
           <a:p>
@@ -4058,8 +4048,8 @@
                 <a:solidFill>
                   <a:srgbClr val="000000"/>
                 </a:solidFill>
-                <a:latin typeface="Courier"/>
-                <a:cs typeface="Courier"/>
+                <a:latin typeface="Consolas" pitchFamily="49" charset="0"/>
+                <a:cs typeface="Consolas" pitchFamily="49" charset="0"/>
               </a:rPr>
               <a:t>   </a:t>
             </a:r>
@@ -4068,8 +4058,8 @@
                 <a:solidFill>
                   <a:srgbClr val="000000"/>
                 </a:solidFill>
-                <a:latin typeface="Courier"/>
-                <a:cs typeface="Courier"/>
+                <a:latin typeface="Consolas" pitchFamily="49" charset="0"/>
+                <a:cs typeface="Consolas" pitchFamily="49" charset="0"/>
               </a:rPr>
               <a:t>int</a:t>
             </a:r>
@@ -4078,31 +4068,28 @@
                 <a:solidFill>
                   <a:srgbClr val="000000"/>
                 </a:solidFill>
-                <a:latin typeface="Courier"/>
-                <a:cs typeface="Courier"/>
+                <a:latin typeface="Consolas" pitchFamily="49" charset="0"/>
+                <a:cs typeface="Consolas" pitchFamily="49" charset="0"/>
               </a:rPr>
               <a:t> counter = </a:t>
             </a:r>
             <a:r>
-              <a:rPr lang="en-US" sz="900" dirty="0" err="1" smtClean="0">
-                <a:solidFill>
-                  <a:srgbClr val="000000"/>
-                </a:solidFill>
-                <a:latin typeface="Courier"/>
-                <a:cs typeface="Courier"/>
-              </a:rPr>
-              <a:t>iter</a:t>
-            </a:r>
-            <a:r>
               <a:rPr lang="en-US" sz="900" dirty="0" smtClean="0">
                 <a:solidFill>
                   <a:srgbClr val="000000"/>
                 </a:solidFill>
-                <a:latin typeface="Courier"/>
-                <a:cs typeface="Courier"/>
-              </a:rPr>
-              <a:t>;</a:t>
-            </a:r>
+                <a:latin typeface="Consolas" pitchFamily="49" charset="0"/>
+                <a:cs typeface="Consolas" pitchFamily="49" charset="0"/>
+              </a:rPr>
+              <a:t>iter_1;</a:t>
+            </a:r>
+            <a:endParaRPr lang="en-US" sz="900" dirty="0" smtClean="0">
+              <a:solidFill>
+                <a:srgbClr val="000000"/>
+              </a:solidFill>
+              <a:latin typeface="Consolas" pitchFamily="49" charset="0"/>
+              <a:cs typeface="Consolas" pitchFamily="49" charset="0"/>
+            </a:endParaRPr>
           </a:p>
           <a:p>
             <a:r>
@@ -4110,8 +4097,8 @@
                 <a:solidFill>
                   <a:srgbClr val="000000"/>
                 </a:solidFill>
-                <a:latin typeface="Courier"/>
-                <a:cs typeface="Courier"/>
+                <a:latin typeface="Consolas" pitchFamily="49" charset="0"/>
+                <a:cs typeface="Consolas" pitchFamily="49" charset="0"/>
               </a:rPr>
               <a:t>      ...</a:t>
             </a:r>
@@ -4122,8 +4109,8 @@
                 <a:solidFill>
                   <a:srgbClr val="000000"/>
                 </a:solidFill>
-                <a:latin typeface="Courier"/>
-                <a:cs typeface="Courier"/>
+                <a:latin typeface="Consolas" pitchFamily="49" charset="0"/>
+                <a:cs typeface="Consolas" pitchFamily="49" charset="0"/>
               </a:rPr>
               <a:t> </a:t>
             </a:r>
@@ -4132,31 +4119,28 @@
                 <a:solidFill>
                   <a:srgbClr val="000000"/>
                 </a:solidFill>
-                <a:latin typeface="Courier"/>
-                <a:cs typeface="Courier"/>
+                <a:latin typeface="Consolas" pitchFamily="49" charset="0"/>
+                <a:cs typeface="Consolas" pitchFamily="49" charset="0"/>
               </a:rPr>
               <a:t>  </a:t>
             </a:r>
             <a:r>
-              <a:rPr lang="en-US" sz="900" dirty="0" err="1" smtClean="0">
-                <a:solidFill>
-                  <a:srgbClr val="000000"/>
-                </a:solidFill>
-                <a:latin typeface="Courier"/>
-                <a:cs typeface="Courier"/>
-              </a:rPr>
-              <a:t>iter</a:t>
-            </a:r>
-            <a:r>
               <a:rPr lang="en-US" sz="900" dirty="0" smtClean="0">
                 <a:solidFill>
                   <a:srgbClr val="000000"/>
                 </a:solidFill>
-                <a:latin typeface="Courier"/>
-                <a:cs typeface="Courier"/>
-              </a:rPr>
-              <a:t>++;</a:t>
-            </a:r>
+                <a:latin typeface="Consolas" pitchFamily="49" charset="0"/>
+                <a:cs typeface="Consolas" pitchFamily="49" charset="0"/>
+              </a:rPr>
+              <a:t>iter_1++;</a:t>
+            </a:r>
+            <a:endParaRPr lang="en-US" sz="900" dirty="0" smtClean="0">
+              <a:solidFill>
+                <a:srgbClr val="000000"/>
+              </a:solidFill>
+              <a:latin typeface="Consolas" pitchFamily="49" charset="0"/>
+              <a:cs typeface="Consolas" pitchFamily="49" charset="0"/>
+            </a:endParaRPr>
           </a:p>
           <a:p>
             <a:r>
@@ -4164,8 +4148,8 @@
                 <a:solidFill>
                   <a:srgbClr val="000000"/>
                 </a:solidFill>
-                <a:latin typeface="Courier"/>
-                <a:cs typeface="Courier"/>
+                <a:latin typeface="Consolas" pitchFamily="49" charset="0"/>
+                <a:cs typeface="Consolas" pitchFamily="49" charset="0"/>
               </a:rPr>
               <a:t> </a:t>
             </a:r>
@@ -4174,30 +4158,62 @@
                 <a:solidFill>
                   <a:srgbClr val="000000"/>
                 </a:solidFill>
-                <a:latin typeface="Courier"/>
-                <a:cs typeface="Courier"/>
-              </a:rPr>
-              <a:t>  if ((</a:t>
-            </a:r>
-            <a:r>
-              <a:rPr lang="en-US" sz="900" dirty="0" err="1" smtClean="0">
-                <a:solidFill>
-                  <a:srgbClr val="000000"/>
-                </a:solidFill>
-                <a:latin typeface="Courier"/>
-                <a:cs typeface="Courier"/>
-              </a:rPr>
-              <a:t>iter</a:t>
+                <a:latin typeface="Consolas" pitchFamily="49" charset="0"/>
+                <a:cs typeface="Consolas" pitchFamily="49" charset="0"/>
+              </a:rPr>
+              <a:t>  if </a:t>
             </a:r>
             <a:r>
               <a:rPr lang="en-US" sz="900" dirty="0" smtClean="0">
                 <a:solidFill>
                   <a:srgbClr val="000000"/>
                 </a:solidFill>
-                <a:latin typeface="Courier"/>
-                <a:cs typeface="Courier"/>
-              </a:rPr>
-              <a:t>–start–reps) % total == 0)</a:t>
+                <a:latin typeface="Consolas" pitchFamily="49" charset="0"/>
+                <a:cs typeface="Consolas" pitchFamily="49" charset="0"/>
+              </a:rPr>
+              <a:t>((iter_1–(start_1+init)–reps_1) </a:t>
+            </a:r>
+          </a:p>
+          <a:p>
+            <a:r>
+              <a:rPr lang="en-US" sz="900" dirty="0" smtClean="0">
+                <a:solidFill>
+                  <a:srgbClr val="000000"/>
+                </a:solidFill>
+                <a:latin typeface="Consolas" pitchFamily="49" charset="0"/>
+                <a:cs typeface="Consolas" pitchFamily="49" charset="0"/>
+              </a:rPr>
+              <a:t> </a:t>
+            </a:r>
+            <a:r>
+              <a:rPr lang="en-US" sz="900" dirty="0" smtClean="0">
+                <a:solidFill>
+                  <a:srgbClr val="000000"/>
+                </a:solidFill>
+                <a:latin typeface="Consolas" pitchFamily="49" charset="0"/>
+                <a:cs typeface="Consolas" pitchFamily="49" charset="0"/>
+              </a:rPr>
+              <a:t>         </a:t>
+            </a:r>
+            <a:r>
+              <a:rPr lang="en-US" sz="900" dirty="0" smtClean="0">
+                <a:solidFill>
+                  <a:srgbClr val="000000"/>
+                </a:solidFill>
+                <a:latin typeface="Consolas" pitchFamily="49" charset="0"/>
+                <a:cs typeface="Consolas" pitchFamily="49" charset="0"/>
+              </a:rPr>
+              <a:t>% </a:t>
+            </a:r>
+            <a:r>
+              <a:rPr lang="en-US" sz="900" dirty="0" smtClean="0">
+                <a:solidFill>
+                  <a:srgbClr val="000000"/>
+                </a:solidFill>
+                <a:latin typeface="Consolas" pitchFamily="49" charset="0"/>
+                <a:cs typeface="Consolas" pitchFamily="49" charset="0"/>
+              </a:rPr>
+              <a:t>total == 0)</a:t>
             </a:r>
           </a:p>
           <a:p>
@@ -4206,8 +4222,8 @@
                 <a:solidFill>
                   <a:srgbClr val="000000"/>
                 </a:solidFill>
-                <a:latin typeface="Courier"/>
-                <a:cs typeface="Courier"/>
+                <a:latin typeface="Consolas" pitchFamily="49" charset="0"/>
+                <a:cs typeface="Consolas" pitchFamily="49" charset="0"/>
               </a:rPr>
               <a:t> </a:t>
             </a:r>
@@ -4216,60 +4232,57 @@
                 <a:solidFill>
                   <a:srgbClr val="000000"/>
                 </a:solidFill>
-                <a:latin typeface="Courier"/>
-                <a:cs typeface="Courier"/>
+                <a:latin typeface="Consolas" pitchFamily="49" charset="0"/>
+                <a:cs typeface="Consolas" pitchFamily="49" charset="0"/>
               </a:rPr>
               <a:t>    </a:t>
             </a:r>
             <a:r>
-              <a:rPr lang="en-US" sz="900" dirty="0" err="1" smtClean="0">
-                <a:solidFill>
-                  <a:srgbClr val="000000"/>
-                </a:solidFill>
-                <a:latin typeface="Courier"/>
-                <a:cs typeface="Courier"/>
-              </a:rPr>
-              <a:t>iter</a:t>
-            </a:r>
-            <a:r>
               <a:rPr lang="en-US" sz="900" dirty="0" smtClean="0">
                 <a:solidFill>
                   <a:srgbClr val="000000"/>
                 </a:solidFill>
-                <a:latin typeface="Courier"/>
-                <a:cs typeface="Courier"/>
-              </a:rPr>
-              <a:t> = </a:t>
-            </a:r>
-            <a:r>
-              <a:rPr lang="en-US" sz="900" dirty="0" err="1" smtClean="0">
-                <a:solidFill>
-                  <a:srgbClr val="000000"/>
-                </a:solidFill>
-                <a:latin typeface="Courier"/>
-                <a:cs typeface="Courier"/>
-              </a:rPr>
-              <a:t>iter+total</a:t>
+                <a:latin typeface="Consolas" pitchFamily="49" charset="0"/>
+                <a:cs typeface="Consolas" pitchFamily="49" charset="0"/>
+              </a:rPr>
+              <a:t>iter_1 </a:t>
             </a:r>
             <a:r>
               <a:rPr lang="en-US" sz="900" dirty="0" smtClean="0">
                 <a:solidFill>
                   <a:srgbClr val="000000"/>
                 </a:solidFill>
-                <a:latin typeface="Courier"/>
-                <a:cs typeface="Courier"/>
-              </a:rPr>
-              <a:t>-reps;</a:t>
-            </a:r>
-          </a:p>
-          <a:p>
+                <a:latin typeface="Consolas" pitchFamily="49" charset="0"/>
+                <a:cs typeface="Consolas" pitchFamily="49" charset="0"/>
+              </a:rPr>
+              <a:t>= </a:t>
+            </a:r>
             <a:r>
               <a:rPr lang="en-US" sz="900" dirty="0" smtClean="0">
                 <a:solidFill>
                   <a:srgbClr val="000000"/>
                 </a:solidFill>
-                <a:latin typeface="Courier"/>
-                <a:cs typeface="Courier"/>
+                <a:latin typeface="Consolas" pitchFamily="49" charset="0"/>
+                <a:cs typeface="Consolas" pitchFamily="49" charset="0"/>
+              </a:rPr>
+              <a:t>iter_1+total-reps_1;</a:t>
+            </a:r>
+            <a:endParaRPr lang="en-US" sz="900" dirty="0" smtClean="0">
+              <a:solidFill>
+                <a:srgbClr val="000000"/>
+              </a:solidFill>
+              <a:latin typeface="Consolas" pitchFamily="49" charset="0"/>
+              <a:cs typeface="Consolas" pitchFamily="49" charset="0"/>
+            </a:endParaRPr>
+          </a:p>
+          <a:p>
+            <a:r>
+              <a:rPr lang="en-US" sz="900" dirty="0" smtClean="0">
+                <a:solidFill>
+                  <a:srgbClr val="000000"/>
+                </a:solidFill>
+                <a:latin typeface="Consolas" pitchFamily="49" charset="0"/>
+                <a:cs typeface="Consolas" pitchFamily="49" charset="0"/>
               </a:rPr>
               <a:t>}</a:t>
             </a:r>
@@ -4277,8 +4290,8 @@
               <a:solidFill>
                 <a:srgbClr val="000000"/>
               </a:solidFill>
-              <a:latin typeface="Courier"/>
-              <a:cs typeface="Courier"/>
+              <a:latin typeface="Consolas" pitchFamily="49" charset="0"/>
+              <a:cs typeface="Consolas" pitchFamily="49" charset="0"/>
             </a:endParaRPr>
           </a:p>
         </p:txBody>
@@ -4291,8 +4304,8 @@
         </p:nvSpPr>
         <p:spPr>
           <a:xfrm>
-            <a:off x="8100721" y="2057795"/>
-            <a:ext cx="2898648" cy="2060448"/>
+            <a:off x="8100721" y="1421694"/>
+            <a:ext cx="2898648" cy="2696549"/>
           </a:xfrm>
           <a:prstGeom prst="roundRect">
             <a:avLst/>
@@ -4329,8 +4342,8 @@
                 <a:solidFill>
                   <a:srgbClr val="000000"/>
                 </a:solidFill>
-                <a:latin typeface="Courier"/>
-                <a:cs typeface="Courier"/>
+                <a:latin typeface="Consolas" pitchFamily="49" charset="0"/>
+                <a:cs typeface="Consolas" pitchFamily="49" charset="0"/>
               </a:rPr>
               <a:t>int</a:t>
             </a:r>
@@ -4339,30 +4352,32 @@
                 <a:solidFill>
                   <a:srgbClr val="000000"/>
                 </a:solidFill>
-                <a:latin typeface="Courier"/>
-                <a:cs typeface="Courier"/>
-              </a:rPr>
-              <a:t> </a:t>
-            </a:r>
+                <a:latin typeface="Consolas" pitchFamily="49" charset="0"/>
+                <a:cs typeface="Consolas" pitchFamily="49" charset="0"/>
+              </a:rPr>
+              <a:t> iter_2 = 2;</a:t>
+            </a:r>
+          </a:p>
+          <a:p>
             <a:r>
               <a:rPr lang="en-US" sz="900" dirty="0" err="1" smtClean="0">
                 <a:solidFill>
                   <a:srgbClr val="000000"/>
                 </a:solidFill>
-                <a:latin typeface="Courier"/>
-                <a:cs typeface="Courier"/>
-              </a:rPr>
-              <a:t>iter</a:t>
+                <a:latin typeface="Consolas" pitchFamily="49" charset="0"/>
+                <a:cs typeface="Consolas" pitchFamily="49" charset="0"/>
+              </a:rPr>
+              <a:t>int</a:t>
             </a:r>
             <a:r>
               <a:rPr lang="en-US" sz="900" dirty="0" smtClean="0">
                 <a:solidFill>
                   <a:srgbClr val="000000"/>
                 </a:solidFill>
-                <a:latin typeface="Courier"/>
-                <a:cs typeface="Courier"/>
-              </a:rPr>
-              <a:t> = 4;</a:t>
+                <a:latin typeface="Consolas" pitchFamily="49" charset="0"/>
+                <a:cs typeface="Consolas" pitchFamily="49" charset="0"/>
+              </a:rPr>
+              <a:t> init   = 0;</a:t>
             </a:r>
           </a:p>
           <a:p>
@@ -4371,8 +4386,8 @@
                 <a:solidFill>
                   <a:srgbClr val="000000"/>
                 </a:solidFill>
-                <a:latin typeface="Courier"/>
-                <a:cs typeface="Courier"/>
+                <a:latin typeface="Consolas" pitchFamily="49" charset="0"/>
+                <a:cs typeface="Consolas" pitchFamily="49" charset="0"/>
               </a:rPr>
               <a:t>int</a:t>
             </a:r>
@@ -4381,10 +4396,10 @@
                 <a:solidFill>
                   <a:srgbClr val="000000"/>
                 </a:solidFill>
-                <a:latin typeface="Courier"/>
-                <a:cs typeface="Courier"/>
-              </a:rPr>
-              <a:t> start = 4;</a:t>
+                <a:latin typeface="Consolas" pitchFamily="49" charset="0"/>
+                <a:cs typeface="Consolas" pitchFamily="49" charset="0"/>
+              </a:rPr>
+              <a:t> start_2 = 2;</a:t>
             </a:r>
           </a:p>
           <a:p>
@@ -4393,8 +4408,8 @@
                 <a:solidFill>
                   <a:srgbClr val="000000"/>
                 </a:solidFill>
-                <a:latin typeface="Courier"/>
-                <a:cs typeface="Courier"/>
+                <a:latin typeface="Consolas" pitchFamily="49" charset="0"/>
+                <a:cs typeface="Consolas" pitchFamily="49" charset="0"/>
               </a:rPr>
               <a:t>int</a:t>
             </a:r>
@@ -4403,10 +4418,10 @@
                 <a:solidFill>
                   <a:srgbClr val="000000"/>
                 </a:solidFill>
-                <a:latin typeface="Courier"/>
-                <a:cs typeface="Courier"/>
-              </a:rPr>
-              <a:t> reps = 2;</a:t>
+                <a:latin typeface="Consolas" pitchFamily="49" charset="0"/>
+                <a:cs typeface="Consolas" pitchFamily="49" charset="0"/>
+              </a:rPr>
+              <a:t> reps_2 = 2;</a:t>
             </a:r>
           </a:p>
           <a:p>
@@ -4415,8 +4430,8 @@
                 <a:solidFill>
                   <a:srgbClr val="000000"/>
                 </a:solidFill>
-                <a:latin typeface="Courier"/>
-                <a:cs typeface="Courier"/>
+                <a:latin typeface="Consolas" pitchFamily="49" charset="0"/>
+                <a:cs typeface="Consolas" pitchFamily="49" charset="0"/>
               </a:rPr>
               <a:t>int</a:t>
             </a:r>
@@ -4425,8 +4440,8 @@
                 <a:solidFill>
                   <a:srgbClr val="000000"/>
                 </a:solidFill>
-                <a:latin typeface="Courier"/>
-                <a:cs typeface="Courier"/>
+                <a:latin typeface="Consolas" pitchFamily="49" charset="0"/>
+                <a:cs typeface="Consolas" pitchFamily="49" charset="0"/>
               </a:rPr>
               <a:t> total = 6;</a:t>
             </a:r>
@@ -4436,8 +4451,8 @@
               <a:solidFill>
                 <a:srgbClr val="000000"/>
               </a:solidFill>
-              <a:latin typeface="Courier"/>
-              <a:cs typeface="Courier"/>
+              <a:latin typeface="Consolas" pitchFamily="49" charset="0"/>
+              <a:cs typeface="Consolas" pitchFamily="49" charset="0"/>
             </a:endParaRPr>
           </a:p>
           <a:p>
@@ -4446,40 +4461,23 @@
                 <a:solidFill>
                   <a:srgbClr val="000000"/>
                 </a:solidFill>
-                <a:latin typeface="Courier"/>
-                <a:cs typeface="Courier"/>
+                <a:latin typeface="Consolas" pitchFamily="49" charset="0"/>
+                <a:cs typeface="Consolas" pitchFamily="49" charset="0"/>
               </a:rPr>
               <a:t>work pop 1 push 1 {</a:t>
             </a:r>
           </a:p>
           <a:p>
             <a:r>
-              <a:rPr lang="en-US" sz="900" dirty="0">
-                <a:solidFill>
-                  <a:srgbClr val="000000"/>
-                </a:solidFill>
-                <a:latin typeface="Courier"/>
-                <a:cs typeface="Courier"/>
-              </a:rPr>
-              <a:t> </a:t>
-            </a:r>
-            <a:r>
               <a:rPr lang="en-US" sz="900" dirty="0" smtClean="0">
                 <a:solidFill>
                   <a:srgbClr val="000000"/>
                 </a:solidFill>
-                <a:latin typeface="Courier"/>
-                <a:cs typeface="Courier"/>
-              </a:rPr>
-              <a:t>     ...</a:t>
-            </a:r>
-            <a:endParaRPr lang="en-US" sz="900" dirty="0">
-              <a:solidFill>
-                <a:srgbClr val="000000"/>
-              </a:solidFill>
-              <a:latin typeface="Courier"/>
-              <a:cs typeface="Courier"/>
-            </a:endParaRPr>
+                <a:latin typeface="Consolas" pitchFamily="49" charset="0"/>
+                <a:cs typeface="Consolas" pitchFamily="49" charset="0"/>
+              </a:rPr>
+              <a:t>      ...</a:t>
+            </a:r>
           </a:p>
           <a:p>
             <a:r>
@@ -4487,8 +4485,8 @@
                 <a:solidFill>
                   <a:srgbClr val="000000"/>
                 </a:solidFill>
-                <a:latin typeface="Courier"/>
-                <a:cs typeface="Courier"/>
+                <a:latin typeface="Consolas" pitchFamily="49" charset="0"/>
+                <a:cs typeface="Consolas" pitchFamily="49" charset="0"/>
               </a:rPr>
               <a:t>   </a:t>
             </a:r>
@@ -4497,8 +4495,8 @@
                 <a:solidFill>
                   <a:srgbClr val="000000"/>
                 </a:solidFill>
-                <a:latin typeface="Courier"/>
-                <a:cs typeface="Courier"/>
+                <a:latin typeface="Consolas" pitchFamily="49" charset="0"/>
+                <a:cs typeface="Consolas" pitchFamily="49" charset="0"/>
               </a:rPr>
               <a:t>int</a:t>
             </a:r>
@@ -4507,30 +4505,22 @@
                 <a:solidFill>
                   <a:srgbClr val="000000"/>
                 </a:solidFill>
-                <a:latin typeface="Courier"/>
-                <a:cs typeface="Courier"/>
-              </a:rPr>
-              <a:t> counter = </a:t>
-            </a:r>
-            <a:r>
-              <a:rPr lang="en-US" sz="900" dirty="0" err="1" smtClean="0">
-                <a:solidFill>
-                  <a:srgbClr val="000000"/>
-                </a:solidFill>
-                <a:latin typeface="Courier"/>
-                <a:cs typeface="Courier"/>
-              </a:rPr>
-              <a:t>iter</a:t>
-            </a:r>
+                <a:latin typeface="Consolas" pitchFamily="49" charset="0"/>
+                <a:cs typeface="Consolas" pitchFamily="49" charset="0"/>
+              </a:rPr>
+              <a:t> counter = iter_2;</a:t>
+            </a:r>
+          </a:p>
+          <a:p>
             <a:r>
               <a:rPr lang="en-US" sz="900" dirty="0" smtClean="0">
                 <a:solidFill>
                   <a:srgbClr val="000000"/>
                 </a:solidFill>
-                <a:latin typeface="Courier"/>
-                <a:cs typeface="Courier"/>
-              </a:rPr>
-              <a:t>;</a:t>
+                <a:latin typeface="Consolas" pitchFamily="49" charset="0"/>
+                <a:cs typeface="Consolas" pitchFamily="49" charset="0"/>
+              </a:rPr>
+              <a:t>      ...</a:t>
             </a:r>
           </a:p>
           <a:p>
@@ -4539,176 +4529,59 @@
                 <a:solidFill>
                   <a:srgbClr val="000000"/>
                 </a:solidFill>
-                <a:latin typeface="Courier"/>
-                <a:cs typeface="Courier"/>
-              </a:rPr>
-              <a:t>      ...</a:t>
-            </a:r>
-          </a:p>
-          <a:p>
-            <a:r>
-              <a:rPr lang="en-US" sz="900" dirty="0">
-                <a:solidFill>
-                  <a:srgbClr val="000000"/>
-                </a:solidFill>
-                <a:latin typeface="Courier"/>
-                <a:cs typeface="Courier"/>
-              </a:rPr>
-              <a:t> </a:t>
-            </a:r>
+                <a:latin typeface="Consolas" pitchFamily="49" charset="0"/>
+                <a:cs typeface="Consolas" pitchFamily="49" charset="0"/>
+              </a:rPr>
+              <a:t>   iter_2++;</a:t>
+            </a:r>
+          </a:p>
+          <a:p>
             <a:r>
               <a:rPr lang="en-US" sz="900" dirty="0" smtClean="0">
                 <a:solidFill>
                   <a:srgbClr val="000000"/>
                 </a:solidFill>
-                <a:latin typeface="Courier"/>
-                <a:cs typeface="Courier"/>
-              </a:rPr>
-              <a:t>  </a:t>
-            </a:r>
-            <a:r>
-              <a:rPr lang="en-US" sz="900" dirty="0" err="1" smtClean="0">
-                <a:solidFill>
-                  <a:srgbClr val="000000"/>
-                </a:solidFill>
-                <a:latin typeface="Courier"/>
-                <a:cs typeface="Courier"/>
-              </a:rPr>
-              <a:t>iter</a:t>
-            </a:r>
+                <a:latin typeface="Consolas" pitchFamily="49" charset="0"/>
+                <a:cs typeface="Consolas" pitchFamily="49" charset="0"/>
+              </a:rPr>
+              <a:t>   if ((iter_2–(start_2+init)–reps_2) </a:t>
+            </a:r>
+          </a:p>
+          <a:p>
             <a:r>
               <a:rPr lang="en-US" sz="900" dirty="0" smtClean="0">
                 <a:solidFill>
                   <a:srgbClr val="000000"/>
                 </a:solidFill>
-                <a:latin typeface="Courier"/>
-                <a:cs typeface="Courier"/>
-              </a:rPr>
-              <a:t>++;</a:t>
-            </a:r>
-          </a:p>
-          <a:p>
-            <a:r>
-              <a:rPr lang="en-US" sz="900" dirty="0">
-                <a:solidFill>
-                  <a:srgbClr val="000000"/>
-                </a:solidFill>
-                <a:latin typeface="Courier"/>
-                <a:cs typeface="Courier"/>
-              </a:rPr>
-              <a:t> </a:t>
-            </a:r>
+                <a:latin typeface="Consolas" pitchFamily="49" charset="0"/>
+                <a:cs typeface="Consolas" pitchFamily="49" charset="0"/>
+              </a:rPr>
+              <a:t>          % total == 0)</a:t>
+            </a:r>
+          </a:p>
+          <a:p>
             <a:r>
               <a:rPr lang="en-US" sz="900" dirty="0" smtClean="0">
                 <a:solidFill>
                   <a:srgbClr val="000000"/>
                 </a:solidFill>
-                <a:latin typeface="Courier"/>
-                <a:cs typeface="Courier"/>
-              </a:rPr>
-              <a:t>  if ((</a:t>
-            </a:r>
-            <a:r>
-              <a:rPr lang="en-US" sz="900" dirty="0" err="1" smtClean="0">
-                <a:solidFill>
-                  <a:srgbClr val="000000"/>
-                </a:solidFill>
-                <a:latin typeface="Courier"/>
-                <a:cs typeface="Courier"/>
-              </a:rPr>
-              <a:t>iter</a:t>
-            </a:r>
+                <a:latin typeface="Consolas" pitchFamily="49" charset="0"/>
+                <a:cs typeface="Consolas" pitchFamily="49" charset="0"/>
+              </a:rPr>
+              <a:t>     iter_2 = iter_2+total-reps_2;</a:t>
+            </a:r>
+          </a:p>
+          <a:p>
             <a:r>
               <a:rPr lang="en-US" sz="900" dirty="0" smtClean="0">
                 <a:solidFill>
                   <a:srgbClr val="000000"/>
                 </a:solidFill>
-                <a:latin typeface="Courier"/>
-                <a:cs typeface="Courier"/>
-              </a:rPr>
-              <a:t>–start–reps) % total == 0)</a:t>
-            </a:r>
-          </a:p>
-          <a:p>
-            <a:r>
-              <a:rPr lang="en-US" sz="900" dirty="0">
-                <a:solidFill>
-                  <a:srgbClr val="000000"/>
-                </a:solidFill>
-                <a:latin typeface="Courier"/>
-                <a:cs typeface="Courier"/>
-              </a:rPr>
-              <a:t> </a:t>
-            </a:r>
-            <a:r>
-              <a:rPr lang="en-US" sz="900" dirty="0" smtClean="0">
-                <a:solidFill>
-                  <a:srgbClr val="000000"/>
-                </a:solidFill>
-                <a:latin typeface="Courier"/>
-                <a:cs typeface="Courier"/>
-              </a:rPr>
-              <a:t>    </a:t>
-            </a:r>
-            <a:r>
-              <a:rPr lang="en-US" sz="900" dirty="0" err="1" smtClean="0">
-                <a:solidFill>
-                  <a:srgbClr val="000000"/>
-                </a:solidFill>
-                <a:latin typeface="Courier"/>
-                <a:cs typeface="Courier"/>
-              </a:rPr>
-              <a:t>iter</a:t>
-            </a:r>
-            <a:r>
-              <a:rPr lang="en-US" sz="900" dirty="0" smtClean="0">
-                <a:solidFill>
-                  <a:srgbClr val="000000"/>
-                </a:solidFill>
-                <a:latin typeface="Courier"/>
-                <a:cs typeface="Courier"/>
-              </a:rPr>
-              <a:t> = </a:t>
-            </a:r>
-            <a:r>
-              <a:rPr lang="en-US" sz="900" dirty="0" err="1" smtClean="0">
-                <a:solidFill>
-                  <a:srgbClr val="000000"/>
-                </a:solidFill>
-                <a:latin typeface="Courier"/>
-                <a:cs typeface="Courier"/>
-              </a:rPr>
-              <a:t>iter+total</a:t>
-            </a:r>
-            <a:r>
-              <a:rPr lang="en-US" sz="900" dirty="0" smtClean="0">
-                <a:solidFill>
-                  <a:srgbClr val="000000"/>
-                </a:solidFill>
-                <a:latin typeface="Courier"/>
-                <a:cs typeface="Courier"/>
-              </a:rPr>
-              <a:t>-reps;</a:t>
-            </a:r>
-          </a:p>
-          <a:p>
-            <a:r>
-              <a:rPr lang="en-US" sz="900" dirty="0" smtClean="0">
-                <a:solidFill>
-                  <a:srgbClr val="000000"/>
-                </a:solidFill>
-                <a:latin typeface="Courier"/>
-                <a:cs typeface="Courier"/>
+                <a:latin typeface="Consolas" pitchFamily="49" charset="0"/>
+                <a:cs typeface="Consolas" pitchFamily="49" charset="0"/>
               </a:rPr>
               <a:t>}</a:t>
             </a:r>
-            <a:endParaRPr lang="en-US" sz="900" dirty="0">
-              <a:solidFill>
-                <a:srgbClr val="000000"/>
-              </a:solidFill>
-              <a:latin typeface="Courier"/>
-              <a:cs typeface="Courier"/>
-            </a:endParaRPr>
           </a:p>
         </p:txBody>
       </p:sp>
@@ -4723,8 +4596,8 @@
         </p:nvCxnSpPr>
         <p:spPr>
           <a:xfrm>
-            <a:off x="5932833" y="1421694"/>
-            <a:ext cx="3617212" cy="636101"/>
+            <a:off x="5932833" y="814347"/>
+            <a:ext cx="3617212" cy="607347"/>
           </a:xfrm>
           <a:prstGeom prst="straightConnector1">
             <a:avLst/>
@@ -4847,7 +4720,7 @@
           <p:nvPr>
             <p:extLst>
               <p:ext uri="{D42A27DB-BD31-4B8C-83A1-F6EECF244321}">
-                <p14:modId xmlns:p14="http://schemas.microsoft.com/office/powerpoint/2010/main" val="3369552927"/>
+                <p14:modId xmlns:p14="http://schemas.microsoft.com/office/powerpoint/2010/main" xmlns="" val="3369552927"/>
               </p:ext>
             </p:extLst>
           </p:nvPr>
@@ -4880,7 +4753,7 @@
                           <a:latin typeface="Times"/>
                           <a:cs typeface="Times"/>
                         </a:rPr>
-                        <a:t>Iter</a:t>
+                        <a:t>iter</a:t>
                       </a:r>
                       <a:endParaRPr lang="en-US" sz="1000" dirty="0">
                         <a:latin typeface="Times"/>
@@ -4901,7 +4774,7 @@
                           <a:latin typeface="Times"/>
                           <a:cs typeface="Times"/>
                         </a:rPr>
-                        <a:t>Iter</a:t>
+                        <a:t>iter</a:t>
                       </a:r>
                       <a:r>
                         <a:rPr lang="en-US" sz="1000" dirty="0" smtClean="0">
@@ -5331,7 +5204,7 @@
           <p:nvPr>
             <p:extLst>
               <p:ext uri="{D42A27DB-BD31-4B8C-83A1-F6EECF244321}">
-                <p14:modId xmlns:p14="http://schemas.microsoft.com/office/powerpoint/2010/main" val="34893664"/>
+                <p14:modId xmlns:p14="http://schemas.microsoft.com/office/powerpoint/2010/main" xmlns="" val="34893664"/>
               </p:ext>
             </p:extLst>
           </p:nvPr>
@@ -5364,7 +5237,14 @@
                           <a:latin typeface="Times"/>
                           <a:cs typeface="Times"/>
                         </a:rPr>
-                        <a:t>Iter</a:t>
+                        <a:t>i</a:t>
+                      </a:r>
+                      <a:r>
+                        <a:rPr lang="en-US" sz="1000" smtClean="0">
+                          <a:latin typeface="Times"/>
+                          <a:cs typeface="Times"/>
+                        </a:rPr>
+                        <a:t>ter</a:t>
                       </a:r>
                       <a:endParaRPr lang="en-US" sz="1000" dirty="0">
                         <a:latin typeface="Times"/>
@@ -5385,7 +5265,7 @@
                           <a:latin typeface="Times"/>
                           <a:cs typeface="Times"/>
                         </a:rPr>
-                        <a:t>Iter</a:t>
+                        <a:t>iter</a:t>
                       </a:r>
                       <a:r>
                         <a:rPr lang="en-US" sz="1000" dirty="0" smtClean="0">
@@ -5822,7 +5702,7 @@
           <p:nvPr>
             <p:extLst>
               <p:ext uri="{D42A27DB-BD31-4B8C-83A1-F6EECF244321}">
-                <p14:modId xmlns:p14="http://schemas.microsoft.com/office/powerpoint/2010/main" val="532147693"/>
+                <p14:modId xmlns:p14="http://schemas.microsoft.com/office/powerpoint/2010/main" xmlns="" val="532147693"/>
               </p:ext>
             </p:extLst>
           </p:nvPr>
@@ -5855,7 +5735,7 @@
                           <a:latin typeface="Times"/>
                           <a:cs typeface="Times"/>
                         </a:rPr>
-                        <a:t>Iter</a:t>
+                        <a:t>iter</a:t>
                       </a:r>
                       <a:endParaRPr lang="en-US" sz="1000" dirty="0">
                         <a:latin typeface="Times"/>
@@ -5876,7 +5756,7 @@
                           <a:latin typeface="Times"/>
                           <a:cs typeface="Times"/>
                         </a:rPr>
-                        <a:t>Iter</a:t>
+                        <a:t>iter</a:t>
                       </a:r>
                       <a:r>
                         <a:rPr lang="en-US" sz="1000" dirty="0" smtClean="0">
@@ -6293,7 +6173,7 @@
     </p:spTree>
     <p:extLst>
       <p:ext uri="{BB962C8B-B14F-4D97-AF65-F5344CB8AC3E}">
-        <p14:creationId xmlns:p14="http://schemas.microsoft.com/office/powerpoint/2010/main" val="2906562973"/>
+        <p14:creationId xmlns:p14="http://schemas.microsoft.com/office/powerpoint/2010/main" xmlns="" val="2906562973"/>
       </p:ext>
     </p:extLst>
   </p:cSld>

--- a/streams/docs/induction-state-2012/figures/fission-example.pptx
+++ b/streams/docs/induction-state-2012/figures/fission-example.pptx
@@ -341,7 +341,7 @@
     </p:spTree>
     <p:extLst>
       <p:ext uri="{BB962C8B-B14F-4D97-AF65-F5344CB8AC3E}">
-        <p14:creationId xmlns:p14="http://schemas.microsoft.com/office/powerpoint/2010/main" xmlns="" val="43714323"/>
+        <p14:creationId xmlns="" xmlns:p14="http://schemas.microsoft.com/office/powerpoint/2010/main" val="43714323"/>
       </p:ext>
     </p:extLst>
   </p:cSld>
@@ -513,7 +513,7 @@
     </p:spTree>
     <p:extLst>
       <p:ext uri="{BB962C8B-B14F-4D97-AF65-F5344CB8AC3E}">
-        <p14:creationId xmlns:p14="http://schemas.microsoft.com/office/powerpoint/2010/main" xmlns="" val="3926844510"/>
+        <p14:creationId xmlns="" xmlns:p14="http://schemas.microsoft.com/office/powerpoint/2010/main" val="3926844510"/>
       </p:ext>
     </p:extLst>
   </p:cSld>
@@ -695,7 +695,7 @@
     </p:spTree>
     <p:extLst>
       <p:ext uri="{BB962C8B-B14F-4D97-AF65-F5344CB8AC3E}">
-        <p14:creationId xmlns:p14="http://schemas.microsoft.com/office/powerpoint/2010/main" xmlns="" val="3603292242"/>
+        <p14:creationId xmlns="" xmlns:p14="http://schemas.microsoft.com/office/powerpoint/2010/main" val="3603292242"/>
       </p:ext>
     </p:extLst>
   </p:cSld>
@@ -867,7 +867,7 @@
     </p:spTree>
     <p:extLst>
       <p:ext uri="{BB962C8B-B14F-4D97-AF65-F5344CB8AC3E}">
-        <p14:creationId xmlns:p14="http://schemas.microsoft.com/office/powerpoint/2010/main" xmlns="" val="3021893725"/>
+        <p14:creationId xmlns="" xmlns:p14="http://schemas.microsoft.com/office/powerpoint/2010/main" val="3021893725"/>
       </p:ext>
     </p:extLst>
   </p:cSld>
@@ -1115,7 +1115,7 @@
     </p:spTree>
     <p:extLst>
       <p:ext uri="{BB962C8B-B14F-4D97-AF65-F5344CB8AC3E}">
-        <p14:creationId xmlns:p14="http://schemas.microsoft.com/office/powerpoint/2010/main" xmlns="" val="1440282091"/>
+        <p14:creationId xmlns="" xmlns:p14="http://schemas.microsoft.com/office/powerpoint/2010/main" val="1440282091"/>
       </p:ext>
     </p:extLst>
   </p:cSld>
@@ -1405,7 +1405,7 @@
     </p:spTree>
     <p:extLst>
       <p:ext uri="{BB962C8B-B14F-4D97-AF65-F5344CB8AC3E}">
-        <p14:creationId xmlns:p14="http://schemas.microsoft.com/office/powerpoint/2010/main" xmlns="" val="1444239288"/>
+        <p14:creationId xmlns="" xmlns:p14="http://schemas.microsoft.com/office/powerpoint/2010/main" val="1444239288"/>
       </p:ext>
     </p:extLst>
   </p:cSld>
@@ -1834,7 +1834,7 @@
     </p:spTree>
     <p:extLst>
       <p:ext uri="{BB962C8B-B14F-4D97-AF65-F5344CB8AC3E}">
-        <p14:creationId xmlns:p14="http://schemas.microsoft.com/office/powerpoint/2010/main" xmlns="" val="2721568684"/>
+        <p14:creationId xmlns="" xmlns:p14="http://schemas.microsoft.com/office/powerpoint/2010/main" val="2721568684"/>
       </p:ext>
     </p:extLst>
   </p:cSld>
@@ -1954,7 +1954,7 @@
     </p:spTree>
     <p:extLst>
       <p:ext uri="{BB962C8B-B14F-4D97-AF65-F5344CB8AC3E}">
-        <p14:creationId xmlns:p14="http://schemas.microsoft.com/office/powerpoint/2010/main" xmlns="" val="439613256"/>
+        <p14:creationId xmlns="" xmlns:p14="http://schemas.microsoft.com/office/powerpoint/2010/main" val="439613256"/>
       </p:ext>
     </p:extLst>
   </p:cSld>
@@ -2051,7 +2051,7 @@
     </p:spTree>
     <p:extLst>
       <p:ext uri="{BB962C8B-B14F-4D97-AF65-F5344CB8AC3E}">
-        <p14:creationId xmlns:p14="http://schemas.microsoft.com/office/powerpoint/2010/main" xmlns="" val="1522478377"/>
+        <p14:creationId xmlns="" xmlns:p14="http://schemas.microsoft.com/office/powerpoint/2010/main" val="1522478377"/>
       </p:ext>
     </p:extLst>
   </p:cSld>
@@ -2330,7 +2330,7 @@
     </p:spTree>
     <p:extLst>
       <p:ext uri="{BB962C8B-B14F-4D97-AF65-F5344CB8AC3E}">
-        <p14:creationId xmlns:p14="http://schemas.microsoft.com/office/powerpoint/2010/main" xmlns="" val="3603823383"/>
+        <p14:creationId xmlns="" xmlns:p14="http://schemas.microsoft.com/office/powerpoint/2010/main" val="3603823383"/>
       </p:ext>
     </p:extLst>
   </p:cSld>
@@ -2585,7 +2585,7 @@
     </p:spTree>
     <p:extLst>
       <p:ext uri="{BB962C8B-B14F-4D97-AF65-F5344CB8AC3E}">
-        <p14:creationId xmlns:p14="http://schemas.microsoft.com/office/powerpoint/2010/main" xmlns="" val="1048484055"/>
+        <p14:creationId xmlns="" xmlns:p14="http://schemas.microsoft.com/office/powerpoint/2010/main" val="1048484055"/>
       </p:ext>
     </p:extLst>
   </p:cSld>
@@ -2836,7 +2836,7 @@
     </p:spTree>
     <p:extLst>
       <p:ext uri="{BB962C8B-B14F-4D97-AF65-F5344CB8AC3E}">
-        <p14:creationId xmlns:p14="http://schemas.microsoft.com/office/powerpoint/2010/main" xmlns="" val="2061120300"/>
+        <p14:creationId xmlns="" xmlns:p14="http://schemas.microsoft.com/office/powerpoint/2010/main" val="2061120300"/>
       </p:ext>
     </p:extLst>
   </p:cSld>
@@ -3797,7 +3797,19 @@
                 <a:latin typeface="Consolas" pitchFamily="49" charset="0"/>
                 <a:cs typeface="Consolas" pitchFamily="49" charset="0"/>
               </a:rPr>
-              <a:t> </a:t>
+              <a:t> iter_1 = 2;</a:t>
+            </a:r>
+          </a:p>
+          <a:p>
+            <a:r>
+              <a:rPr lang="en-US" sz="900" dirty="0" err="1" smtClean="0">
+                <a:solidFill>
+                  <a:srgbClr val="000000"/>
+                </a:solidFill>
+                <a:latin typeface="Consolas" pitchFamily="49" charset="0"/>
+                <a:cs typeface="Consolas" pitchFamily="49" charset="0"/>
+              </a:rPr>
+              <a:t>int</a:t>
             </a:r>
             <a:r>
               <a:rPr lang="en-US" sz="900" dirty="0" smtClean="0">
@@ -3807,7 +3819,19 @@
                 <a:latin typeface="Consolas" pitchFamily="49" charset="0"/>
                 <a:cs typeface="Consolas" pitchFamily="49" charset="0"/>
               </a:rPr>
-              <a:t>iter_1 </a:t>
+              <a:t> init   = 0;</a:t>
+            </a:r>
+          </a:p>
+          <a:p>
+            <a:r>
+              <a:rPr lang="en-US" sz="900" dirty="0" err="1" smtClean="0">
+                <a:solidFill>
+                  <a:srgbClr val="000000"/>
+                </a:solidFill>
+                <a:latin typeface="Consolas" pitchFamily="49" charset="0"/>
+                <a:cs typeface="Consolas" pitchFamily="49" charset="0"/>
+              </a:rPr>
+              <a:t>int</a:t>
             </a:r>
             <a:r>
               <a:rPr lang="en-US" sz="900" dirty="0" smtClean="0">
@@ -3817,7 +3841,19 @@
                 <a:latin typeface="Consolas" pitchFamily="49" charset="0"/>
                 <a:cs typeface="Consolas" pitchFamily="49" charset="0"/>
               </a:rPr>
-              <a:t>= 2</a:t>
+              <a:t> start_1 = 2;</a:t>
+            </a:r>
+          </a:p>
+          <a:p>
+            <a:r>
+              <a:rPr lang="en-US" sz="900" dirty="0" err="1" smtClean="0">
+                <a:solidFill>
+                  <a:srgbClr val="000000"/>
+                </a:solidFill>
+                <a:latin typeface="Consolas" pitchFamily="49" charset="0"/>
+                <a:cs typeface="Consolas" pitchFamily="49" charset="0"/>
+              </a:rPr>
+              <a:t>int</a:t>
             </a:r>
             <a:r>
               <a:rPr lang="en-US" sz="900" dirty="0" smtClean="0">
@@ -3827,7 +3863,7 @@
                 <a:latin typeface="Consolas" pitchFamily="49" charset="0"/>
                 <a:cs typeface="Consolas" pitchFamily="49" charset="0"/>
               </a:rPr>
-              <a:t>;</a:t>
+              <a:t> reps_1 = 2;</a:t>
             </a:r>
           </a:p>
           <a:p>
@@ -3849,18 +3885,10 @@
                 <a:latin typeface="Consolas" pitchFamily="49" charset="0"/>
                 <a:cs typeface="Consolas" pitchFamily="49" charset="0"/>
               </a:rPr>
-              <a:t> init   = 0</a:t>
-            </a:r>
-            <a:r>
-              <a:rPr lang="en-US" sz="900" dirty="0" smtClean="0">
-                <a:solidFill>
-                  <a:srgbClr val="000000"/>
-                </a:solidFill>
-                <a:latin typeface="Consolas" pitchFamily="49" charset="0"/>
-                <a:cs typeface="Consolas" pitchFamily="49" charset="0"/>
-              </a:rPr>
-              <a:t>;</a:t>
-            </a:r>
+              <a:t> total = 6;</a:t>
+            </a:r>
+          </a:p>
+          <a:p>
             <a:endParaRPr lang="en-US" sz="900" dirty="0" smtClean="0">
               <a:solidFill>
                 <a:srgbClr val="000000"/>
@@ -3871,138 +3899,6 @@
           </a:p>
           <a:p>
             <a:r>
-              <a:rPr lang="en-US" sz="900" dirty="0" err="1" smtClean="0">
-                <a:solidFill>
-                  <a:srgbClr val="000000"/>
-                </a:solidFill>
-                <a:latin typeface="Consolas" pitchFamily="49" charset="0"/>
-                <a:cs typeface="Consolas" pitchFamily="49" charset="0"/>
-              </a:rPr>
-              <a:t>int</a:t>
-            </a:r>
-            <a:r>
-              <a:rPr lang="en-US" sz="900" dirty="0" smtClean="0">
-                <a:solidFill>
-                  <a:srgbClr val="000000"/>
-                </a:solidFill>
-                <a:latin typeface="Consolas" pitchFamily="49" charset="0"/>
-                <a:cs typeface="Consolas" pitchFamily="49" charset="0"/>
-              </a:rPr>
-              <a:t> </a:t>
-            </a:r>
-            <a:r>
-              <a:rPr lang="en-US" sz="900" dirty="0" smtClean="0">
-                <a:solidFill>
-                  <a:srgbClr val="000000"/>
-                </a:solidFill>
-                <a:latin typeface="Consolas" pitchFamily="49" charset="0"/>
-                <a:cs typeface="Consolas" pitchFamily="49" charset="0"/>
-              </a:rPr>
-              <a:t>start_1 </a:t>
-            </a:r>
-            <a:r>
-              <a:rPr lang="en-US" sz="900" dirty="0" smtClean="0">
-                <a:solidFill>
-                  <a:srgbClr val="000000"/>
-                </a:solidFill>
-                <a:latin typeface="Consolas" pitchFamily="49" charset="0"/>
-                <a:cs typeface="Consolas" pitchFamily="49" charset="0"/>
-              </a:rPr>
-              <a:t>= </a:t>
-            </a:r>
-            <a:r>
-              <a:rPr lang="en-US" sz="900" dirty="0" smtClean="0">
-                <a:solidFill>
-                  <a:srgbClr val="000000"/>
-                </a:solidFill>
-                <a:latin typeface="Consolas" pitchFamily="49" charset="0"/>
-                <a:cs typeface="Consolas" pitchFamily="49" charset="0"/>
-              </a:rPr>
-              <a:t>2;</a:t>
-            </a:r>
-            <a:endParaRPr lang="en-US" sz="900" dirty="0" smtClean="0">
-              <a:solidFill>
-                <a:srgbClr val="000000"/>
-              </a:solidFill>
-              <a:latin typeface="Consolas" pitchFamily="49" charset="0"/>
-              <a:cs typeface="Consolas" pitchFamily="49" charset="0"/>
-            </a:endParaRPr>
-          </a:p>
-          <a:p>
-            <a:r>
-              <a:rPr lang="en-US" sz="900" dirty="0" err="1" smtClean="0">
-                <a:solidFill>
-                  <a:srgbClr val="000000"/>
-                </a:solidFill>
-                <a:latin typeface="Consolas" pitchFamily="49" charset="0"/>
-                <a:cs typeface="Consolas" pitchFamily="49" charset="0"/>
-              </a:rPr>
-              <a:t>int</a:t>
-            </a:r>
-            <a:r>
-              <a:rPr lang="en-US" sz="900" dirty="0" smtClean="0">
-                <a:solidFill>
-                  <a:srgbClr val="000000"/>
-                </a:solidFill>
-                <a:latin typeface="Consolas" pitchFamily="49" charset="0"/>
-                <a:cs typeface="Consolas" pitchFamily="49" charset="0"/>
-              </a:rPr>
-              <a:t> </a:t>
-            </a:r>
-            <a:r>
-              <a:rPr lang="en-US" sz="900" dirty="0" smtClean="0">
-                <a:solidFill>
-                  <a:srgbClr val="000000"/>
-                </a:solidFill>
-                <a:latin typeface="Consolas" pitchFamily="49" charset="0"/>
-                <a:cs typeface="Consolas" pitchFamily="49" charset="0"/>
-              </a:rPr>
-              <a:t>reps_1 </a:t>
-            </a:r>
-            <a:r>
-              <a:rPr lang="en-US" sz="900" dirty="0" smtClean="0">
-                <a:solidFill>
-                  <a:srgbClr val="000000"/>
-                </a:solidFill>
-                <a:latin typeface="Consolas" pitchFamily="49" charset="0"/>
-                <a:cs typeface="Consolas" pitchFamily="49" charset="0"/>
-              </a:rPr>
-              <a:t>= 2;</a:t>
-            </a:r>
-          </a:p>
-          <a:p>
-            <a:r>
-              <a:rPr lang="en-US" sz="900" dirty="0" err="1" smtClean="0">
-                <a:solidFill>
-                  <a:srgbClr val="000000"/>
-                </a:solidFill>
-                <a:latin typeface="Consolas" pitchFamily="49" charset="0"/>
-                <a:cs typeface="Consolas" pitchFamily="49" charset="0"/>
-              </a:rPr>
-              <a:t>int</a:t>
-            </a:r>
-            <a:r>
-              <a:rPr lang="en-US" sz="900" dirty="0" smtClean="0">
-                <a:solidFill>
-                  <a:srgbClr val="000000"/>
-                </a:solidFill>
-                <a:latin typeface="Consolas" pitchFamily="49" charset="0"/>
-                <a:cs typeface="Consolas" pitchFamily="49" charset="0"/>
-              </a:rPr>
-              <a:t> total = 6;</a:t>
-            </a:r>
-          </a:p>
-          <a:p>
-            <a:endParaRPr lang="en-US" sz="900" dirty="0" smtClean="0">
-              <a:solidFill>
-                <a:srgbClr val="000000"/>
-              </a:solidFill>
-              <a:latin typeface="Consolas" pitchFamily="49" charset="0"/>
-              <a:cs typeface="Consolas" pitchFamily="49" charset="0"/>
-            </a:endParaRPr>
-          </a:p>
-          <a:p>
-            <a:r>
               <a:rPr lang="en-US" sz="900" dirty="0" smtClean="0">
                 <a:solidFill>
                   <a:srgbClr val="000000"/>
@@ -4071,8 +3967,10 @@
                 <a:latin typeface="Consolas" pitchFamily="49" charset="0"/>
                 <a:cs typeface="Consolas" pitchFamily="49" charset="0"/>
               </a:rPr>
-              <a:t> counter = </a:t>
-            </a:r>
+              <a:t> counter = iter_1;</a:t>
+            </a:r>
+          </a:p>
+          <a:p>
             <a:r>
               <a:rPr lang="en-US" sz="900" dirty="0" smtClean="0">
                 <a:solidFill>
@@ -4081,17 +3979,20 @@
                 <a:latin typeface="Consolas" pitchFamily="49" charset="0"/>
                 <a:cs typeface="Consolas" pitchFamily="49" charset="0"/>
               </a:rPr>
-              <a:t>iter_1;</a:t>
-            </a:r>
-            <a:endParaRPr lang="en-US" sz="900" dirty="0" smtClean="0">
-              <a:solidFill>
-                <a:srgbClr val="000000"/>
-              </a:solidFill>
-              <a:latin typeface="Consolas" pitchFamily="49" charset="0"/>
-              <a:cs typeface="Consolas" pitchFamily="49" charset="0"/>
-            </a:endParaRPr>
-          </a:p>
-          <a:p>
+              <a:t>      ...</a:t>
+            </a:r>
+          </a:p>
+          <a:p>
+            <a:r>
+              <a:rPr lang="en-US" sz="900" dirty="0">
+                <a:solidFill>
+                  <a:srgbClr val="000000"/>
+                </a:solidFill>
+                <a:latin typeface="Consolas" pitchFamily="49" charset="0"/>
+                <a:cs typeface="Consolas" pitchFamily="49" charset="0"/>
+              </a:rPr>
+              <a:t> </a:t>
+            </a:r>
             <a:r>
               <a:rPr lang="en-US" sz="900" dirty="0" smtClean="0">
                 <a:solidFill>
@@ -4100,7 +4001,7 @@
                 <a:latin typeface="Consolas" pitchFamily="49" charset="0"/>
                 <a:cs typeface="Consolas" pitchFamily="49" charset="0"/>
               </a:rPr>
-              <a:t>      ...</a:t>
+              <a:t>  iter_1++;</a:t>
             </a:r>
           </a:p>
           <a:p>
@@ -4122,8 +4023,10 @@
                 <a:latin typeface="Consolas" pitchFamily="49" charset="0"/>
                 <a:cs typeface="Consolas" pitchFamily="49" charset="0"/>
               </a:rPr>
-              <a:t>  </a:t>
-            </a:r>
+              <a:t>  if ((iter_1–(start_1+init)–reps_1) </a:t>
+            </a:r>
+          </a:p>
+          <a:p>
             <a:r>
               <a:rPr lang="en-US" sz="900" dirty="0" smtClean="0">
                 <a:solidFill>
@@ -4132,15 +4035,8 @@
                 <a:latin typeface="Consolas" pitchFamily="49" charset="0"/>
                 <a:cs typeface="Consolas" pitchFamily="49" charset="0"/>
               </a:rPr>
-              <a:t>iter_1++;</a:t>
-            </a:r>
-            <a:endParaRPr lang="en-US" sz="900" dirty="0" smtClean="0">
-              <a:solidFill>
-                <a:srgbClr val="000000"/>
-              </a:solidFill>
-              <a:latin typeface="Consolas" pitchFamily="49" charset="0"/>
-              <a:cs typeface="Consolas" pitchFamily="49" charset="0"/>
-            </a:endParaRPr>
+              <a:t>          % total == 0)</a:t>
+            </a:r>
           </a:p>
           <a:p>
             <a:r>
@@ -4161,119 +4057,8 @@
                 <a:latin typeface="Consolas" pitchFamily="49" charset="0"/>
                 <a:cs typeface="Consolas" pitchFamily="49" charset="0"/>
               </a:rPr>
-              <a:t>  if </a:t>
-            </a:r>
-            <a:r>
-              <a:rPr lang="en-US" sz="900" dirty="0" smtClean="0">
-                <a:solidFill>
-                  <a:srgbClr val="000000"/>
-                </a:solidFill>
-                <a:latin typeface="Consolas" pitchFamily="49" charset="0"/>
-                <a:cs typeface="Consolas" pitchFamily="49" charset="0"/>
-              </a:rPr>
-              <a:t>((iter_1–(start_1+init)–reps_1) </a:t>
-            </a:r>
-          </a:p>
-          <a:p>
-            <a:r>
-              <a:rPr lang="en-US" sz="900" dirty="0" smtClean="0">
-                <a:solidFill>
-                  <a:srgbClr val="000000"/>
-                </a:solidFill>
-                <a:latin typeface="Consolas" pitchFamily="49" charset="0"/>
-                <a:cs typeface="Consolas" pitchFamily="49" charset="0"/>
-              </a:rPr>
-              <a:t> </a:t>
-            </a:r>
-            <a:r>
-              <a:rPr lang="en-US" sz="900" dirty="0" smtClean="0">
-                <a:solidFill>
-                  <a:srgbClr val="000000"/>
-                </a:solidFill>
-                <a:latin typeface="Consolas" pitchFamily="49" charset="0"/>
-                <a:cs typeface="Consolas" pitchFamily="49" charset="0"/>
-              </a:rPr>
-              <a:t>         </a:t>
-            </a:r>
-            <a:r>
-              <a:rPr lang="en-US" sz="900" dirty="0" smtClean="0">
-                <a:solidFill>
-                  <a:srgbClr val="000000"/>
-                </a:solidFill>
-                <a:latin typeface="Consolas" pitchFamily="49" charset="0"/>
-                <a:cs typeface="Consolas" pitchFamily="49" charset="0"/>
-              </a:rPr>
-              <a:t>% </a:t>
-            </a:r>
-            <a:r>
-              <a:rPr lang="en-US" sz="900" dirty="0" smtClean="0">
-                <a:solidFill>
-                  <a:srgbClr val="000000"/>
-                </a:solidFill>
-                <a:latin typeface="Consolas" pitchFamily="49" charset="0"/>
-                <a:cs typeface="Consolas" pitchFamily="49" charset="0"/>
-              </a:rPr>
-              <a:t>total == 0)</a:t>
-            </a:r>
-          </a:p>
-          <a:p>
-            <a:r>
-              <a:rPr lang="en-US" sz="900" dirty="0">
-                <a:solidFill>
-                  <a:srgbClr val="000000"/>
-                </a:solidFill>
-                <a:latin typeface="Consolas" pitchFamily="49" charset="0"/>
-                <a:cs typeface="Consolas" pitchFamily="49" charset="0"/>
-              </a:rPr>
-              <a:t> </a:t>
-            </a:r>
-            <a:r>
-              <a:rPr lang="en-US" sz="900" dirty="0" smtClean="0">
-                <a:solidFill>
-                  <a:srgbClr val="000000"/>
-                </a:solidFill>
-                <a:latin typeface="Consolas" pitchFamily="49" charset="0"/>
-                <a:cs typeface="Consolas" pitchFamily="49" charset="0"/>
-              </a:rPr>
-              <a:t>    </a:t>
-            </a:r>
-            <a:r>
-              <a:rPr lang="en-US" sz="900" dirty="0" smtClean="0">
-                <a:solidFill>
-                  <a:srgbClr val="000000"/>
-                </a:solidFill>
-                <a:latin typeface="Consolas" pitchFamily="49" charset="0"/>
-                <a:cs typeface="Consolas" pitchFamily="49" charset="0"/>
-              </a:rPr>
-              <a:t>iter_1 </a:t>
-            </a:r>
-            <a:r>
-              <a:rPr lang="en-US" sz="900" dirty="0" smtClean="0">
-                <a:solidFill>
-                  <a:srgbClr val="000000"/>
-                </a:solidFill>
-                <a:latin typeface="Consolas" pitchFamily="49" charset="0"/>
-                <a:cs typeface="Consolas" pitchFamily="49" charset="0"/>
-              </a:rPr>
-              <a:t>= </a:t>
-            </a:r>
-            <a:r>
-              <a:rPr lang="en-US" sz="900" dirty="0" smtClean="0">
-                <a:solidFill>
-                  <a:srgbClr val="000000"/>
-                </a:solidFill>
-                <a:latin typeface="Consolas" pitchFamily="49" charset="0"/>
-                <a:cs typeface="Consolas" pitchFamily="49" charset="0"/>
-              </a:rPr>
-              <a:t>iter_1+total-reps_1;</a:t>
-            </a:r>
-            <a:endParaRPr lang="en-US" sz="900" dirty="0" smtClean="0">
-              <a:solidFill>
-                <a:srgbClr val="000000"/>
-              </a:solidFill>
-              <a:latin typeface="Consolas" pitchFamily="49" charset="0"/>
-              <a:cs typeface="Consolas" pitchFamily="49" charset="0"/>
-            </a:endParaRPr>
+              <a:t>    iter_1 = iter_1+total-reps_1;</a:t>
+            </a:r>
           </a:p>
           <a:p>
             <a:r>
@@ -4720,7 +4505,7 @@
           <p:nvPr>
             <p:extLst>
               <p:ext uri="{D42A27DB-BD31-4B8C-83A1-F6EECF244321}">
-                <p14:modId xmlns:p14="http://schemas.microsoft.com/office/powerpoint/2010/main" xmlns="" val="3369552927"/>
+                <p14:modId xmlns="" xmlns:p14="http://schemas.microsoft.com/office/powerpoint/2010/main" val="3369552927"/>
               </p:ext>
             </p:extLst>
           </p:nvPr>
@@ -5204,7 +4989,7 @@
           <p:nvPr>
             <p:extLst>
               <p:ext uri="{D42A27DB-BD31-4B8C-83A1-F6EECF244321}">
-                <p14:modId xmlns:p14="http://schemas.microsoft.com/office/powerpoint/2010/main" xmlns="" val="34893664"/>
+                <p14:modId xmlns="" xmlns:p14="http://schemas.microsoft.com/office/powerpoint/2010/main" val="34893664"/>
               </p:ext>
             </p:extLst>
           </p:nvPr>
@@ -5237,14 +5022,7 @@
                           <a:latin typeface="Times"/>
                           <a:cs typeface="Times"/>
                         </a:rPr>
-                        <a:t>i</a:t>
-                      </a:r>
-                      <a:r>
-                        <a:rPr lang="en-US" sz="1000" smtClean="0">
-                          <a:latin typeface="Times"/>
-                          <a:cs typeface="Times"/>
-                        </a:rPr>
-                        <a:t>ter</a:t>
+                        <a:t>iter</a:t>
                       </a:r>
                       <a:endParaRPr lang="en-US" sz="1000" dirty="0">
                         <a:latin typeface="Times"/>
@@ -5702,7 +5480,7 @@
           <p:nvPr>
             <p:extLst>
               <p:ext uri="{D42A27DB-BD31-4B8C-83A1-F6EECF244321}">
-                <p14:modId xmlns:p14="http://schemas.microsoft.com/office/powerpoint/2010/main" xmlns="" val="532147693"/>
+                <p14:modId xmlns="" xmlns:p14="http://schemas.microsoft.com/office/powerpoint/2010/main" val="532147693"/>
               </p:ext>
             </p:extLst>
           </p:nvPr>
@@ -6173,7 +5951,7 @@
     </p:spTree>
     <p:extLst>
       <p:ext uri="{BB962C8B-B14F-4D97-AF65-F5344CB8AC3E}">
-        <p14:creationId xmlns:p14="http://schemas.microsoft.com/office/powerpoint/2010/main" xmlns="" val="2906562973"/>
+        <p14:creationId xmlns="" xmlns:p14="http://schemas.microsoft.com/office/powerpoint/2010/main" val="2906562973"/>
       </p:ext>
     </p:extLst>
   </p:cSld>

--- a/streams/docs/induction-state-2012/figures/fission-example.pptx
+++ b/streams/docs/induction-state-2012/figures/fission-example.pptx
@@ -289,7 +289,7 @@
             <a:fld id="{E926D0E2-BD55-B04E-8C84-99E27348D69A}" type="datetimeFigureOut">
               <a:rPr lang="en-US" smtClean="0"/>
               <a:pPr/>
-              <a:t>4/10/2012</a:t>
+              <a:t>4/11/2012</a:t>
             </a:fld>
             <a:endParaRPr lang="en-US"/>
           </a:p>
@@ -341,7 +341,7 @@
     </p:spTree>
     <p:extLst>
       <p:ext uri="{BB962C8B-B14F-4D97-AF65-F5344CB8AC3E}">
-        <p14:creationId xmlns="" xmlns:p14="http://schemas.microsoft.com/office/powerpoint/2010/main" val="43714323"/>
+        <p14:creationId xmlns:p14="http://schemas.microsoft.com/office/powerpoint/2010/main" xmlns="" val="43714323"/>
       </p:ext>
     </p:extLst>
   </p:cSld>
@@ -461,7 +461,7 @@
             <a:fld id="{E926D0E2-BD55-B04E-8C84-99E27348D69A}" type="datetimeFigureOut">
               <a:rPr lang="en-US" smtClean="0"/>
               <a:pPr/>
-              <a:t>4/10/2012</a:t>
+              <a:t>4/11/2012</a:t>
             </a:fld>
             <a:endParaRPr lang="en-US"/>
           </a:p>
@@ -513,7 +513,7 @@
     </p:spTree>
     <p:extLst>
       <p:ext uri="{BB962C8B-B14F-4D97-AF65-F5344CB8AC3E}">
-        <p14:creationId xmlns="" xmlns:p14="http://schemas.microsoft.com/office/powerpoint/2010/main" val="3926844510"/>
+        <p14:creationId xmlns:p14="http://schemas.microsoft.com/office/powerpoint/2010/main" xmlns="" val="3926844510"/>
       </p:ext>
     </p:extLst>
   </p:cSld>
@@ -643,7 +643,7 @@
             <a:fld id="{E926D0E2-BD55-B04E-8C84-99E27348D69A}" type="datetimeFigureOut">
               <a:rPr lang="en-US" smtClean="0"/>
               <a:pPr/>
-              <a:t>4/10/2012</a:t>
+              <a:t>4/11/2012</a:t>
             </a:fld>
             <a:endParaRPr lang="en-US"/>
           </a:p>
@@ -695,7 +695,7 @@
     </p:spTree>
     <p:extLst>
       <p:ext uri="{BB962C8B-B14F-4D97-AF65-F5344CB8AC3E}">
-        <p14:creationId xmlns="" xmlns:p14="http://schemas.microsoft.com/office/powerpoint/2010/main" val="3603292242"/>
+        <p14:creationId xmlns:p14="http://schemas.microsoft.com/office/powerpoint/2010/main" xmlns="" val="3603292242"/>
       </p:ext>
     </p:extLst>
   </p:cSld>
@@ -815,7 +815,7 @@
             <a:fld id="{E926D0E2-BD55-B04E-8C84-99E27348D69A}" type="datetimeFigureOut">
               <a:rPr lang="en-US" smtClean="0"/>
               <a:pPr/>
-              <a:t>4/10/2012</a:t>
+              <a:t>4/11/2012</a:t>
             </a:fld>
             <a:endParaRPr lang="en-US"/>
           </a:p>
@@ -867,7 +867,7 @@
     </p:spTree>
     <p:extLst>
       <p:ext uri="{BB962C8B-B14F-4D97-AF65-F5344CB8AC3E}">
-        <p14:creationId xmlns="" xmlns:p14="http://schemas.microsoft.com/office/powerpoint/2010/main" val="3021893725"/>
+        <p14:creationId xmlns:p14="http://schemas.microsoft.com/office/powerpoint/2010/main" xmlns="" val="3021893725"/>
       </p:ext>
     </p:extLst>
   </p:cSld>
@@ -1063,7 +1063,7 @@
             <a:fld id="{E926D0E2-BD55-B04E-8C84-99E27348D69A}" type="datetimeFigureOut">
               <a:rPr lang="en-US" smtClean="0"/>
               <a:pPr/>
-              <a:t>4/10/2012</a:t>
+              <a:t>4/11/2012</a:t>
             </a:fld>
             <a:endParaRPr lang="en-US"/>
           </a:p>
@@ -1115,7 +1115,7 @@
     </p:spTree>
     <p:extLst>
       <p:ext uri="{BB962C8B-B14F-4D97-AF65-F5344CB8AC3E}">
-        <p14:creationId xmlns="" xmlns:p14="http://schemas.microsoft.com/office/powerpoint/2010/main" val="1440282091"/>
+        <p14:creationId xmlns:p14="http://schemas.microsoft.com/office/powerpoint/2010/main" xmlns="" val="1440282091"/>
       </p:ext>
     </p:extLst>
   </p:cSld>
@@ -1353,7 +1353,7 @@
             <a:fld id="{E926D0E2-BD55-B04E-8C84-99E27348D69A}" type="datetimeFigureOut">
               <a:rPr lang="en-US" smtClean="0"/>
               <a:pPr/>
-              <a:t>4/10/2012</a:t>
+              <a:t>4/11/2012</a:t>
             </a:fld>
             <a:endParaRPr lang="en-US"/>
           </a:p>
@@ -1405,7 +1405,7 @@
     </p:spTree>
     <p:extLst>
       <p:ext uri="{BB962C8B-B14F-4D97-AF65-F5344CB8AC3E}">
-        <p14:creationId xmlns="" xmlns:p14="http://schemas.microsoft.com/office/powerpoint/2010/main" val="1444239288"/>
+        <p14:creationId xmlns:p14="http://schemas.microsoft.com/office/powerpoint/2010/main" xmlns="" val="1444239288"/>
       </p:ext>
     </p:extLst>
   </p:cSld>
@@ -1782,7 +1782,7 @@
             <a:fld id="{E926D0E2-BD55-B04E-8C84-99E27348D69A}" type="datetimeFigureOut">
               <a:rPr lang="en-US" smtClean="0"/>
               <a:pPr/>
-              <a:t>4/10/2012</a:t>
+              <a:t>4/11/2012</a:t>
             </a:fld>
             <a:endParaRPr lang="en-US"/>
           </a:p>
@@ -1834,7 +1834,7 @@
     </p:spTree>
     <p:extLst>
       <p:ext uri="{BB962C8B-B14F-4D97-AF65-F5344CB8AC3E}">
-        <p14:creationId xmlns="" xmlns:p14="http://schemas.microsoft.com/office/powerpoint/2010/main" val="2721568684"/>
+        <p14:creationId xmlns:p14="http://schemas.microsoft.com/office/powerpoint/2010/main" xmlns="" val="2721568684"/>
       </p:ext>
     </p:extLst>
   </p:cSld>
@@ -1902,7 +1902,7 @@
             <a:fld id="{E926D0E2-BD55-B04E-8C84-99E27348D69A}" type="datetimeFigureOut">
               <a:rPr lang="en-US" smtClean="0"/>
               <a:pPr/>
-              <a:t>4/10/2012</a:t>
+              <a:t>4/11/2012</a:t>
             </a:fld>
             <a:endParaRPr lang="en-US"/>
           </a:p>
@@ -1954,7 +1954,7 @@
     </p:spTree>
     <p:extLst>
       <p:ext uri="{BB962C8B-B14F-4D97-AF65-F5344CB8AC3E}">
-        <p14:creationId xmlns="" xmlns:p14="http://schemas.microsoft.com/office/powerpoint/2010/main" val="439613256"/>
+        <p14:creationId xmlns:p14="http://schemas.microsoft.com/office/powerpoint/2010/main" xmlns="" val="439613256"/>
       </p:ext>
     </p:extLst>
   </p:cSld>
@@ -1999,7 +1999,7 @@
             <a:fld id="{E926D0E2-BD55-B04E-8C84-99E27348D69A}" type="datetimeFigureOut">
               <a:rPr lang="en-US" smtClean="0"/>
               <a:pPr/>
-              <a:t>4/10/2012</a:t>
+              <a:t>4/11/2012</a:t>
             </a:fld>
             <a:endParaRPr lang="en-US"/>
           </a:p>
@@ -2051,7 +2051,7 @@
     </p:spTree>
     <p:extLst>
       <p:ext uri="{BB962C8B-B14F-4D97-AF65-F5344CB8AC3E}">
-        <p14:creationId xmlns="" xmlns:p14="http://schemas.microsoft.com/office/powerpoint/2010/main" val="1522478377"/>
+        <p14:creationId xmlns:p14="http://schemas.microsoft.com/office/powerpoint/2010/main" xmlns="" val="1522478377"/>
       </p:ext>
     </p:extLst>
   </p:cSld>
@@ -2278,7 +2278,7 @@
             <a:fld id="{E926D0E2-BD55-B04E-8C84-99E27348D69A}" type="datetimeFigureOut">
               <a:rPr lang="en-US" smtClean="0"/>
               <a:pPr/>
-              <a:t>4/10/2012</a:t>
+              <a:t>4/11/2012</a:t>
             </a:fld>
             <a:endParaRPr lang="en-US"/>
           </a:p>
@@ -2330,7 +2330,7 @@
     </p:spTree>
     <p:extLst>
       <p:ext uri="{BB962C8B-B14F-4D97-AF65-F5344CB8AC3E}">
-        <p14:creationId xmlns="" xmlns:p14="http://schemas.microsoft.com/office/powerpoint/2010/main" val="3603823383"/>
+        <p14:creationId xmlns:p14="http://schemas.microsoft.com/office/powerpoint/2010/main" xmlns="" val="3603823383"/>
       </p:ext>
     </p:extLst>
   </p:cSld>
@@ -2533,7 +2533,7 @@
             <a:fld id="{E926D0E2-BD55-B04E-8C84-99E27348D69A}" type="datetimeFigureOut">
               <a:rPr lang="en-US" smtClean="0"/>
               <a:pPr/>
-              <a:t>4/10/2012</a:t>
+              <a:t>4/11/2012</a:t>
             </a:fld>
             <a:endParaRPr lang="en-US"/>
           </a:p>
@@ -2585,7 +2585,7 @@
     </p:spTree>
     <p:extLst>
       <p:ext uri="{BB962C8B-B14F-4D97-AF65-F5344CB8AC3E}">
-        <p14:creationId xmlns="" xmlns:p14="http://schemas.microsoft.com/office/powerpoint/2010/main" val="1048484055"/>
+        <p14:creationId xmlns:p14="http://schemas.microsoft.com/office/powerpoint/2010/main" xmlns="" val="1048484055"/>
       </p:ext>
     </p:extLst>
   </p:cSld>
@@ -2748,7 +2748,7 @@
             <a:fld id="{E926D0E2-BD55-B04E-8C84-99E27348D69A}" type="datetimeFigureOut">
               <a:rPr lang="en-US" smtClean="0"/>
               <a:pPr/>
-              <a:t>4/10/2012</a:t>
+              <a:t>4/11/2012</a:t>
             </a:fld>
             <a:endParaRPr lang="en-US"/>
           </a:p>
@@ -2836,7 +2836,7 @@
     </p:spTree>
     <p:extLst>
       <p:ext uri="{BB962C8B-B14F-4D97-AF65-F5344CB8AC3E}">
-        <p14:creationId xmlns="" xmlns:p14="http://schemas.microsoft.com/office/powerpoint/2010/main" val="2061120300"/>
+        <p14:creationId xmlns:p14="http://schemas.microsoft.com/office/powerpoint/2010/main" xmlns="" val="2061120300"/>
       </p:ext>
     </p:extLst>
   </p:cSld>
@@ -3132,7 +3132,7 @@
         </p:nvSpPr>
         <p:spPr>
           <a:xfrm>
-            <a:off x="5582978" y="539096"/>
+            <a:off x="5582978" y="1221496"/>
             <a:ext cx="699710" cy="275251"/>
           </a:xfrm>
           <a:prstGeom prst="roundRect">
@@ -3243,47 +3243,6 @@
       </p:sp>
       <p:cxnSp>
         <p:nvCxnSpPr>
-          <p:cNvPr id="6" name="Straight Arrow Connector 5"/>
-          <p:cNvCxnSpPr>
-            <a:endCxn id="4" idx="0"/>
-          </p:cNvCxnSpPr>
-          <p:nvPr/>
-        </p:nvCxnSpPr>
-        <p:spPr>
-          <a:xfrm>
-            <a:off x="5932833" y="234296"/>
-            <a:ext cx="0" cy="304800"/>
-          </a:xfrm>
-          <a:prstGeom prst="straightConnector1">
-            <a:avLst/>
-          </a:prstGeom>
-          <a:ln w="9525" cap="flat" cmpd="sng" algn="ctr">
-            <a:solidFill>
-              <a:srgbClr val="000000"/>
-            </a:solidFill>
-            <a:prstDash val="solid"/>
-            <a:round/>
-            <a:headEnd type="none" w="med" len="med"/>
-            <a:tailEnd type="triangle" w="med" len="med"/>
-          </a:ln>
-        </p:spPr>
-        <p:style>
-          <a:lnRef idx="2">
-            <a:schemeClr val="accent1"/>
-          </a:lnRef>
-          <a:fillRef idx="0">
-            <a:schemeClr val="accent1"/>
-          </a:fillRef>
-          <a:effectRef idx="1">
-            <a:schemeClr val="accent1"/>
-          </a:effectRef>
-          <a:fontRef idx="minor">
-            <a:schemeClr val="tx1"/>
-          </a:fontRef>
-        </p:style>
-      </p:cxnSp>
-      <p:cxnSp>
-        <p:nvCxnSpPr>
           <p:cNvPr id="7" name="Straight Arrow Connector 6"/>
           <p:cNvCxnSpPr>
             <a:stCxn id="4" idx="2"/>
@@ -3293,8 +3252,8 @@
         </p:nvCxnSpPr>
         <p:spPr>
           <a:xfrm>
-            <a:off x="5932833" y="814347"/>
-            <a:ext cx="0" cy="607347"/>
+            <a:off x="5932833" y="1496747"/>
+            <a:ext cx="0" cy="318405"/>
           </a:xfrm>
           <a:prstGeom prst="straightConnector1">
             <a:avLst/>
@@ -3366,18 +3325,308 @@
           </a:fontRef>
         </p:style>
       </p:cxnSp>
+      <p:sp>
+        <p:nvSpPr>
+          <p:cNvPr id="10" name="Rounded Rectangle 9"/>
+          <p:cNvSpPr/>
+          <p:nvPr/>
+        </p:nvSpPr>
+        <p:spPr>
+          <a:xfrm>
+            <a:off x="869345" y="1814708"/>
+            <a:ext cx="2895600" cy="2303536"/>
+          </a:xfrm>
+          <a:prstGeom prst="roundRect">
+            <a:avLst/>
+          </a:prstGeom>
+          <a:solidFill>
+            <a:schemeClr val="bg1"/>
+          </a:solidFill>
+          <a:ln>
+            <a:solidFill>
+              <a:schemeClr val="tx1"/>
+            </a:solidFill>
+          </a:ln>
+        </p:spPr>
+        <p:style>
+          <a:lnRef idx="1">
+            <a:schemeClr val="accent1"/>
+          </a:lnRef>
+          <a:fillRef idx="3">
+            <a:schemeClr val="accent1"/>
+          </a:fillRef>
+          <a:effectRef idx="2">
+            <a:schemeClr val="accent1"/>
+          </a:effectRef>
+          <a:fontRef idx="minor">
+            <a:schemeClr val="lt1"/>
+          </a:fontRef>
+        </p:style>
+        <p:txBody>
+          <a:bodyPr wrap="none" rtlCol="0" anchor="ctr"/>
+          <a:lstStyle/>
+          <a:p>
+            <a:r>
+              <a:rPr lang="en-US" sz="900" dirty="0" err="1" smtClean="0">
+                <a:solidFill>
+                  <a:srgbClr val="000000"/>
+                </a:solidFill>
+                <a:latin typeface="Consolas" pitchFamily="49" charset="0"/>
+                <a:cs typeface="Consolas" pitchFamily="49" charset="0"/>
+              </a:rPr>
+              <a:t>int</a:t>
+            </a:r>
+            <a:r>
+              <a:rPr lang="en-US" sz="900" dirty="0" smtClean="0">
+                <a:solidFill>
+                  <a:srgbClr val="000000"/>
+                </a:solidFill>
+                <a:latin typeface="Consolas" pitchFamily="49" charset="0"/>
+                <a:cs typeface="Consolas" pitchFamily="49" charset="0"/>
+              </a:rPr>
+              <a:t> iter_0 = 2;</a:t>
+            </a:r>
+          </a:p>
+          <a:p>
+            <a:r>
+              <a:rPr lang="en-US" sz="900" dirty="0" err="1" smtClean="0">
+                <a:solidFill>
+                  <a:srgbClr val="000000"/>
+                </a:solidFill>
+                <a:latin typeface="Consolas" pitchFamily="49" charset="0"/>
+                <a:cs typeface="Consolas" pitchFamily="49" charset="0"/>
+              </a:rPr>
+              <a:t>int</a:t>
+            </a:r>
+            <a:r>
+              <a:rPr lang="en-US" sz="900" dirty="0" smtClean="0">
+                <a:solidFill>
+                  <a:srgbClr val="000000"/>
+                </a:solidFill>
+                <a:latin typeface="Consolas" pitchFamily="49" charset="0"/>
+                <a:cs typeface="Consolas" pitchFamily="49" charset="0"/>
+              </a:rPr>
+              <a:t> init   = 0;</a:t>
+            </a:r>
+          </a:p>
+          <a:p>
+            <a:r>
+              <a:rPr lang="en-US" sz="900" dirty="0" err="1" smtClean="0">
+                <a:solidFill>
+                  <a:srgbClr val="000000"/>
+                </a:solidFill>
+                <a:latin typeface="Consolas" pitchFamily="49" charset="0"/>
+                <a:cs typeface="Consolas" pitchFamily="49" charset="0"/>
+              </a:rPr>
+              <a:t>int</a:t>
+            </a:r>
+            <a:r>
+              <a:rPr lang="en-US" sz="900" dirty="0" smtClean="0">
+                <a:solidFill>
+                  <a:srgbClr val="000000"/>
+                </a:solidFill>
+                <a:latin typeface="Consolas" pitchFamily="49" charset="0"/>
+                <a:cs typeface="Consolas" pitchFamily="49" charset="0"/>
+              </a:rPr>
+              <a:t> start_0 = 2;</a:t>
+            </a:r>
+          </a:p>
+          <a:p>
+            <a:r>
+              <a:rPr lang="en-US" sz="900" dirty="0" err="1" smtClean="0">
+                <a:solidFill>
+                  <a:srgbClr val="000000"/>
+                </a:solidFill>
+                <a:latin typeface="Consolas" pitchFamily="49" charset="0"/>
+                <a:cs typeface="Consolas" pitchFamily="49" charset="0"/>
+              </a:rPr>
+              <a:t>int</a:t>
+            </a:r>
+            <a:r>
+              <a:rPr lang="en-US" sz="900" dirty="0" smtClean="0">
+                <a:solidFill>
+                  <a:srgbClr val="000000"/>
+                </a:solidFill>
+                <a:latin typeface="Consolas" pitchFamily="49" charset="0"/>
+                <a:cs typeface="Consolas" pitchFamily="49" charset="0"/>
+              </a:rPr>
+              <a:t> reps_0 = 2;</a:t>
+            </a:r>
+          </a:p>
+          <a:p>
+            <a:r>
+              <a:rPr lang="en-US" sz="900" dirty="0" err="1" smtClean="0">
+                <a:solidFill>
+                  <a:srgbClr val="000000"/>
+                </a:solidFill>
+                <a:latin typeface="Consolas" pitchFamily="49" charset="0"/>
+                <a:cs typeface="Consolas" pitchFamily="49" charset="0"/>
+              </a:rPr>
+              <a:t>int</a:t>
+            </a:r>
+            <a:r>
+              <a:rPr lang="en-US" sz="900" dirty="0" smtClean="0">
+                <a:solidFill>
+                  <a:srgbClr val="000000"/>
+                </a:solidFill>
+                <a:latin typeface="Consolas" pitchFamily="49" charset="0"/>
+                <a:cs typeface="Consolas" pitchFamily="49" charset="0"/>
+              </a:rPr>
+              <a:t> total = 6;</a:t>
+            </a:r>
+          </a:p>
+          <a:p>
+            <a:endParaRPr lang="en-US" sz="900" dirty="0" smtClean="0">
+              <a:solidFill>
+                <a:srgbClr val="000000"/>
+              </a:solidFill>
+              <a:latin typeface="Consolas" pitchFamily="49" charset="0"/>
+              <a:cs typeface="Consolas" pitchFamily="49" charset="0"/>
+            </a:endParaRPr>
+          </a:p>
+          <a:p>
+            <a:r>
+              <a:rPr lang="en-US" sz="900" dirty="0" smtClean="0">
+                <a:solidFill>
+                  <a:srgbClr val="000000"/>
+                </a:solidFill>
+                <a:latin typeface="Consolas" pitchFamily="49" charset="0"/>
+                <a:cs typeface="Consolas" pitchFamily="49" charset="0"/>
+              </a:rPr>
+              <a:t>work pop 1 push 1 {</a:t>
+            </a:r>
+          </a:p>
+          <a:p>
+            <a:r>
+              <a:rPr lang="en-US" sz="900" dirty="0" smtClean="0">
+                <a:solidFill>
+                  <a:srgbClr val="000000"/>
+                </a:solidFill>
+                <a:latin typeface="Consolas" pitchFamily="49" charset="0"/>
+                <a:cs typeface="Consolas" pitchFamily="49" charset="0"/>
+              </a:rPr>
+              <a:t>      ...</a:t>
+            </a:r>
+          </a:p>
+          <a:p>
+            <a:r>
+              <a:rPr lang="en-US" sz="900" dirty="0" smtClean="0">
+                <a:solidFill>
+                  <a:srgbClr val="000000"/>
+                </a:solidFill>
+                <a:latin typeface="Consolas" pitchFamily="49" charset="0"/>
+                <a:cs typeface="Consolas" pitchFamily="49" charset="0"/>
+              </a:rPr>
+              <a:t>   </a:t>
+            </a:r>
+            <a:r>
+              <a:rPr lang="en-US" sz="900" dirty="0" err="1" smtClean="0">
+                <a:solidFill>
+                  <a:srgbClr val="000000"/>
+                </a:solidFill>
+                <a:latin typeface="Consolas" pitchFamily="49" charset="0"/>
+                <a:cs typeface="Consolas" pitchFamily="49" charset="0"/>
+              </a:rPr>
+              <a:t>int</a:t>
+            </a:r>
+            <a:r>
+              <a:rPr lang="en-US" sz="900" dirty="0" smtClean="0">
+                <a:solidFill>
+                  <a:srgbClr val="000000"/>
+                </a:solidFill>
+                <a:latin typeface="Consolas" pitchFamily="49" charset="0"/>
+                <a:cs typeface="Consolas" pitchFamily="49" charset="0"/>
+              </a:rPr>
+              <a:t> counter = iter_0;</a:t>
+            </a:r>
+          </a:p>
+          <a:p>
+            <a:r>
+              <a:rPr lang="en-US" sz="900" dirty="0" smtClean="0">
+                <a:solidFill>
+                  <a:srgbClr val="000000"/>
+                </a:solidFill>
+                <a:latin typeface="Consolas" pitchFamily="49" charset="0"/>
+                <a:cs typeface="Consolas" pitchFamily="49" charset="0"/>
+              </a:rPr>
+              <a:t>      ...</a:t>
+            </a:r>
+          </a:p>
+          <a:p>
+            <a:r>
+              <a:rPr lang="en-US" sz="900" dirty="0" smtClean="0">
+                <a:solidFill>
+                  <a:srgbClr val="000000"/>
+                </a:solidFill>
+                <a:latin typeface="Consolas" pitchFamily="49" charset="0"/>
+                <a:cs typeface="Consolas" pitchFamily="49" charset="0"/>
+              </a:rPr>
+              <a:t>   iter_0++;</a:t>
+            </a:r>
+          </a:p>
+          <a:p>
+            <a:r>
+              <a:rPr lang="en-US" sz="900" dirty="0" smtClean="0">
+                <a:solidFill>
+                  <a:srgbClr val="000000"/>
+                </a:solidFill>
+                <a:latin typeface="Consolas" pitchFamily="49" charset="0"/>
+                <a:cs typeface="Consolas" pitchFamily="49" charset="0"/>
+              </a:rPr>
+              <a:t>   if ((iter_0–(start_0+init)–reps_0) </a:t>
+            </a:r>
+          </a:p>
+          <a:p>
+            <a:r>
+              <a:rPr lang="en-US" sz="900" dirty="0" smtClean="0">
+                <a:solidFill>
+                  <a:srgbClr val="000000"/>
+                </a:solidFill>
+                <a:latin typeface="Consolas" pitchFamily="49" charset="0"/>
+                <a:cs typeface="Consolas" pitchFamily="49" charset="0"/>
+              </a:rPr>
+              <a:t>          % total == 0)</a:t>
+            </a:r>
+          </a:p>
+          <a:p>
+            <a:r>
+              <a:rPr lang="en-US" sz="900" dirty="0" smtClean="0">
+                <a:solidFill>
+                  <a:srgbClr val="000000"/>
+                </a:solidFill>
+                <a:latin typeface="Consolas" pitchFamily="49" charset="0"/>
+                <a:cs typeface="Consolas" pitchFamily="49" charset="0"/>
+              </a:rPr>
+              <a:t>     iter_0 = iter_0+total-reps_0;</a:t>
+            </a:r>
+          </a:p>
+          <a:p>
+            <a:r>
+              <a:rPr lang="en-US" sz="900" dirty="0" smtClean="0">
+                <a:solidFill>
+                  <a:srgbClr val="000000"/>
+                </a:solidFill>
+                <a:latin typeface="Consolas" pitchFamily="49" charset="0"/>
+                <a:cs typeface="Consolas" pitchFamily="49" charset="0"/>
+              </a:rPr>
+              <a:t>}</a:t>
+            </a:r>
+          </a:p>
+        </p:txBody>
+      </p:sp>
       <p:cxnSp>
         <p:nvCxnSpPr>
-          <p:cNvPr id="9" name="Straight Arrow Connector 8"/>
+          <p:cNvPr id="11" name="Straight Arrow Connector 10"/>
           <p:cNvCxnSpPr>
-            <a:stCxn id="5" idx="2"/>
+            <a:stCxn id="4" idx="2"/>
+            <a:endCxn id="10" idx="0"/>
           </p:cNvCxnSpPr>
           <p:nvPr/>
         </p:nvCxnSpPr>
         <p:spPr>
-          <a:xfrm>
-            <a:off x="5956658" y="5765094"/>
-            <a:ext cx="0" cy="334349"/>
+          <a:xfrm flipH="1">
+            <a:off x="2317145" y="1496747"/>
+            <a:ext cx="3615688" cy="317961"/>
           </a:xfrm>
           <a:prstGeom prst="straightConnector1">
             <a:avLst/>
@@ -3409,14 +3658,14 @@
       </p:cxnSp>
       <p:sp>
         <p:nvSpPr>
-          <p:cNvPr id="10" name="Rounded Rectangle 9"/>
+          <p:cNvPr id="12" name="Rounded Rectangle 11"/>
           <p:cNvSpPr/>
           <p:nvPr/>
         </p:nvSpPr>
         <p:spPr>
           <a:xfrm>
-            <a:off x="869345" y="1421694"/>
-            <a:ext cx="2895600" cy="2696550"/>
+            <a:off x="4483509" y="1815152"/>
+            <a:ext cx="2898648" cy="2306139"/>
           </a:xfrm>
           <a:prstGeom prst="roundRect">
             <a:avLst/>
@@ -3466,7 +3715,7 @@
                 <a:latin typeface="Consolas" pitchFamily="49" charset="0"/>
                 <a:cs typeface="Consolas" pitchFamily="49" charset="0"/>
               </a:rPr>
-              <a:t> iter_0 = 2;</a:t>
+              <a:t> iter_1 = 2;</a:t>
             </a:r>
           </a:p>
           <a:p>
@@ -3510,7 +3759,7 @@
                 <a:latin typeface="Consolas" pitchFamily="49" charset="0"/>
                 <a:cs typeface="Consolas" pitchFamily="49" charset="0"/>
               </a:rPr>
-              <a:t> start_0 = 2;</a:t>
+              <a:t> start_1 = 2;</a:t>
             </a:r>
           </a:p>
           <a:p>
@@ -3532,7 +3781,7 @@
                 <a:latin typeface="Consolas" pitchFamily="49" charset="0"/>
                 <a:cs typeface="Consolas" pitchFamily="49" charset="0"/>
               </a:rPr>
-              <a:t> reps_0 = 2;</a:t>
+              <a:t> reps_1 = 2;</a:t>
             </a:r>
           </a:p>
           <a:p>
@@ -3580,6 +3829,16 @@
           </a:p>
           <a:p>
             <a:r>
+              <a:rPr lang="en-US" sz="900" dirty="0">
+                <a:solidFill>
+                  <a:srgbClr val="000000"/>
+                </a:solidFill>
+                <a:latin typeface="Consolas" pitchFamily="49" charset="0"/>
+                <a:cs typeface="Consolas" pitchFamily="49" charset="0"/>
+              </a:rPr>
+              <a:t> </a:t>
+            </a:r>
+            <a:r>
               <a:rPr lang="en-US" sz="900" dirty="0" smtClean="0">
                 <a:solidFill>
                   <a:srgbClr val="000000"/>
@@ -3587,11 +3846,72 @@
                 <a:latin typeface="Consolas" pitchFamily="49" charset="0"/>
                 <a:cs typeface="Consolas" pitchFamily="49" charset="0"/>
               </a:rPr>
+              <a:t>     ...</a:t>
+            </a:r>
+            <a:endParaRPr lang="en-US" sz="900" dirty="0">
+              <a:solidFill>
+                <a:srgbClr val="000000"/>
+              </a:solidFill>
+              <a:latin typeface="Consolas" pitchFamily="49" charset="0"/>
+              <a:cs typeface="Consolas" pitchFamily="49" charset="0"/>
+            </a:endParaRPr>
+          </a:p>
+          <a:p>
+            <a:r>
+              <a:rPr lang="en-US" sz="900" dirty="0" smtClean="0">
+                <a:solidFill>
+                  <a:srgbClr val="000000"/>
+                </a:solidFill>
+                <a:latin typeface="Consolas" pitchFamily="49" charset="0"/>
+                <a:cs typeface="Consolas" pitchFamily="49" charset="0"/>
+              </a:rPr>
+              <a:t>   </a:t>
+            </a:r>
+            <a:r>
+              <a:rPr lang="en-US" sz="900" dirty="0" err="1" smtClean="0">
+                <a:solidFill>
+                  <a:srgbClr val="000000"/>
+                </a:solidFill>
+                <a:latin typeface="Consolas" pitchFamily="49" charset="0"/>
+                <a:cs typeface="Consolas" pitchFamily="49" charset="0"/>
+              </a:rPr>
+              <a:t>int</a:t>
+            </a:r>
+            <a:r>
+              <a:rPr lang="en-US" sz="900" dirty="0" smtClean="0">
+                <a:solidFill>
+                  <a:srgbClr val="000000"/>
+                </a:solidFill>
+                <a:latin typeface="Consolas" pitchFamily="49" charset="0"/>
+                <a:cs typeface="Consolas" pitchFamily="49" charset="0"/>
+              </a:rPr>
+              <a:t> counter = iter_1;</a:t>
+            </a:r>
+          </a:p>
+          <a:p>
+            <a:r>
+              <a:rPr lang="en-US" sz="900" dirty="0" smtClean="0">
+                <a:solidFill>
+                  <a:srgbClr val="000000"/>
+                </a:solidFill>
+                <a:latin typeface="Consolas" pitchFamily="49" charset="0"/>
+                <a:cs typeface="Consolas" pitchFamily="49" charset="0"/>
+              </a:rPr>
               <a:t>      ...</a:t>
             </a:r>
           </a:p>
           <a:p>
             <a:r>
+              <a:rPr lang="en-US" sz="900" dirty="0">
+                <a:solidFill>
+                  <a:srgbClr val="000000"/>
+                </a:solidFill>
+                <a:latin typeface="Consolas" pitchFamily="49" charset="0"/>
+                <a:cs typeface="Consolas" pitchFamily="49" charset="0"/>
+              </a:rPr>
+              <a:t> </a:t>
+            </a:r>
+            <a:r>
               <a:rPr lang="en-US" sz="900" dirty="0" smtClean="0">
                 <a:solidFill>
                   <a:srgbClr val="000000"/>
@@ -3599,17 +3919,19 @@
                 <a:latin typeface="Consolas" pitchFamily="49" charset="0"/>
                 <a:cs typeface="Consolas" pitchFamily="49" charset="0"/>
               </a:rPr>
-              <a:t>   </a:t>
-            </a:r>
-            <a:r>
-              <a:rPr lang="en-US" sz="900" dirty="0" err="1" smtClean="0">
-                <a:solidFill>
-                  <a:srgbClr val="000000"/>
-                </a:solidFill>
-                <a:latin typeface="Consolas" pitchFamily="49" charset="0"/>
-                <a:cs typeface="Consolas" pitchFamily="49" charset="0"/>
-              </a:rPr>
-              <a:t>int</a:t>
+              <a:t>  iter_1++;</a:t>
+            </a:r>
+          </a:p>
+          <a:p>
+            <a:r>
+              <a:rPr lang="en-US" sz="900" dirty="0">
+                <a:solidFill>
+                  <a:srgbClr val="000000"/>
+                </a:solidFill>
+                <a:latin typeface="Consolas" pitchFamily="49" charset="0"/>
+                <a:cs typeface="Consolas" pitchFamily="49" charset="0"/>
+              </a:rPr>
+              <a:t> </a:t>
             </a:r>
             <a:r>
               <a:rPr lang="en-US" sz="900" dirty="0" smtClean="0">
@@ -3619,7 +3941,7 @@
                 <a:latin typeface="Consolas" pitchFamily="49" charset="0"/>
                 <a:cs typeface="Consolas" pitchFamily="49" charset="0"/>
               </a:rPr>
-              <a:t> counter = iter_0;</a:t>
+              <a:t>  if ((iter_1–(start_1+init)–reps_1) </a:t>
             </a:r>
           </a:p>
           <a:p>
@@ -3631,10 +3953,20 @@
                 <a:latin typeface="Consolas" pitchFamily="49" charset="0"/>
                 <a:cs typeface="Consolas" pitchFamily="49" charset="0"/>
               </a:rPr>
-              <a:t>      ...</a:t>
-            </a:r>
-          </a:p>
-          <a:p>
+              <a:t>          % total == 0)</a:t>
+            </a:r>
+          </a:p>
+          <a:p>
+            <a:r>
+              <a:rPr lang="en-US" sz="900" dirty="0">
+                <a:solidFill>
+                  <a:srgbClr val="000000"/>
+                </a:solidFill>
+                <a:latin typeface="Consolas" pitchFamily="49" charset="0"/>
+                <a:cs typeface="Consolas" pitchFamily="49" charset="0"/>
+              </a:rPr>
+              <a:t> </a:t>
+            </a:r>
             <a:r>
               <a:rPr lang="en-US" sz="900" dirty="0" smtClean="0">
                 <a:solidFill>
@@ -3643,7 +3975,7 @@
                 <a:latin typeface="Consolas" pitchFamily="49" charset="0"/>
                 <a:cs typeface="Consolas" pitchFamily="49" charset="0"/>
               </a:rPr>
-              <a:t>   iter_0++;</a:t>
+              <a:t>    iter_1 = iter_1+total-reps_1;</a:t>
             </a:r>
           </a:p>
           <a:p>
@@ -3655,99 +3987,28 @@
                 <a:latin typeface="Consolas" pitchFamily="49" charset="0"/>
                 <a:cs typeface="Consolas" pitchFamily="49" charset="0"/>
               </a:rPr>
-              <a:t>   if ((iter_0–(start_0+init)–reps_0) </a:t>
-            </a:r>
-          </a:p>
-          <a:p>
-            <a:r>
-              <a:rPr lang="en-US" sz="900" dirty="0" smtClean="0">
-                <a:solidFill>
-                  <a:srgbClr val="000000"/>
-                </a:solidFill>
-                <a:latin typeface="Consolas" pitchFamily="49" charset="0"/>
-                <a:cs typeface="Consolas" pitchFamily="49" charset="0"/>
-              </a:rPr>
-              <a:t>          % total == 0)</a:t>
-            </a:r>
-          </a:p>
-          <a:p>
-            <a:r>
-              <a:rPr lang="en-US" sz="900" dirty="0" smtClean="0">
-                <a:solidFill>
-                  <a:srgbClr val="000000"/>
-                </a:solidFill>
-                <a:latin typeface="Consolas" pitchFamily="49" charset="0"/>
-                <a:cs typeface="Consolas" pitchFamily="49" charset="0"/>
-              </a:rPr>
-              <a:t>     iter_0 = iter_0+total-reps_0;</a:t>
-            </a:r>
-          </a:p>
-          <a:p>
-            <a:r>
-              <a:rPr lang="en-US" sz="900" dirty="0" smtClean="0">
-                <a:solidFill>
-                  <a:srgbClr val="000000"/>
-                </a:solidFill>
-                <a:latin typeface="Consolas" pitchFamily="49" charset="0"/>
-                <a:cs typeface="Consolas" pitchFamily="49" charset="0"/>
-              </a:rPr>
               <a:t>}</a:t>
             </a:r>
-          </a:p>
-        </p:txBody>
-      </p:sp>
-      <p:cxnSp>
-        <p:nvCxnSpPr>
-          <p:cNvPr id="11" name="Straight Arrow Connector 10"/>
-          <p:cNvCxnSpPr>
-            <a:stCxn id="4" idx="2"/>
-            <a:endCxn id="10" idx="0"/>
-          </p:cNvCxnSpPr>
-          <p:nvPr/>
-        </p:nvCxnSpPr>
-        <p:spPr>
-          <a:xfrm flipH="1">
-            <a:off x="2317145" y="814347"/>
-            <a:ext cx="3615688" cy="607347"/>
-          </a:xfrm>
-          <a:prstGeom prst="straightConnector1">
-            <a:avLst/>
-          </a:prstGeom>
-          <a:ln w="9525" cap="flat" cmpd="sng" algn="ctr">
-            <a:solidFill>
-              <a:srgbClr val="000000"/>
-            </a:solidFill>
-            <a:prstDash val="solid"/>
-            <a:round/>
-            <a:headEnd type="none" w="med" len="med"/>
-            <a:tailEnd type="triangle" w="med" len="med"/>
-          </a:ln>
-        </p:spPr>
-        <p:style>
-          <a:lnRef idx="2">
-            <a:schemeClr val="accent1"/>
-          </a:lnRef>
-          <a:fillRef idx="0">
-            <a:schemeClr val="accent1"/>
-          </a:fillRef>
-          <a:effectRef idx="1">
-            <a:schemeClr val="accent1"/>
-          </a:effectRef>
-          <a:fontRef idx="minor">
-            <a:schemeClr val="tx1"/>
-          </a:fontRef>
-        </p:style>
-      </p:cxnSp>
-      <p:sp>
-        <p:nvSpPr>
-          <p:cNvPr id="12" name="Rounded Rectangle 11"/>
+            <a:endParaRPr lang="en-US" sz="900" dirty="0">
+              <a:solidFill>
+                <a:srgbClr val="000000"/>
+              </a:solidFill>
+              <a:latin typeface="Consolas" pitchFamily="49" charset="0"/>
+              <a:cs typeface="Consolas" pitchFamily="49" charset="0"/>
+            </a:endParaRPr>
+          </a:p>
+        </p:txBody>
+      </p:sp>
+      <p:sp>
+        <p:nvSpPr>
+          <p:cNvPr id="13" name="Rounded Rectangle 12"/>
           <p:cNvSpPr/>
           <p:nvPr/>
         </p:nvSpPr>
         <p:spPr>
           <a:xfrm>
-            <a:off x="4483509" y="1421694"/>
-            <a:ext cx="2898648" cy="2699597"/>
+            <a:off x="8100721" y="1814707"/>
+            <a:ext cx="2898648" cy="2303536"/>
           </a:xfrm>
           <a:prstGeom prst="roundRect">
             <a:avLst/>
@@ -3797,349 +4058,6 @@
                 <a:latin typeface="Consolas" pitchFamily="49" charset="0"/>
                 <a:cs typeface="Consolas" pitchFamily="49" charset="0"/>
               </a:rPr>
-              <a:t> iter_1 = 2;</a:t>
-            </a:r>
-          </a:p>
-          <a:p>
-            <a:r>
-              <a:rPr lang="en-US" sz="900" dirty="0" err="1" smtClean="0">
-                <a:solidFill>
-                  <a:srgbClr val="000000"/>
-                </a:solidFill>
-                <a:latin typeface="Consolas" pitchFamily="49" charset="0"/>
-                <a:cs typeface="Consolas" pitchFamily="49" charset="0"/>
-              </a:rPr>
-              <a:t>int</a:t>
-            </a:r>
-            <a:r>
-              <a:rPr lang="en-US" sz="900" dirty="0" smtClean="0">
-                <a:solidFill>
-                  <a:srgbClr val="000000"/>
-                </a:solidFill>
-                <a:latin typeface="Consolas" pitchFamily="49" charset="0"/>
-                <a:cs typeface="Consolas" pitchFamily="49" charset="0"/>
-              </a:rPr>
-              <a:t> init   = 0;</a:t>
-            </a:r>
-          </a:p>
-          <a:p>
-            <a:r>
-              <a:rPr lang="en-US" sz="900" dirty="0" err="1" smtClean="0">
-                <a:solidFill>
-                  <a:srgbClr val="000000"/>
-                </a:solidFill>
-                <a:latin typeface="Consolas" pitchFamily="49" charset="0"/>
-                <a:cs typeface="Consolas" pitchFamily="49" charset="0"/>
-              </a:rPr>
-              <a:t>int</a:t>
-            </a:r>
-            <a:r>
-              <a:rPr lang="en-US" sz="900" dirty="0" smtClean="0">
-                <a:solidFill>
-                  <a:srgbClr val="000000"/>
-                </a:solidFill>
-                <a:latin typeface="Consolas" pitchFamily="49" charset="0"/>
-                <a:cs typeface="Consolas" pitchFamily="49" charset="0"/>
-              </a:rPr>
-              <a:t> start_1 = 2;</a:t>
-            </a:r>
-          </a:p>
-          <a:p>
-            <a:r>
-              <a:rPr lang="en-US" sz="900" dirty="0" err="1" smtClean="0">
-                <a:solidFill>
-                  <a:srgbClr val="000000"/>
-                </a:solidFill>
-                <a:latin typeface="Consolas" pitchFamily="49" charset="0"/>
-                <a:cs typeface="Consolas" pitchFamily="49" charset="0"/>
-              </a:rPr>
-              <a:t>int</a:t>
-            </a:r>
-            <a:r>
-              <a:rPr lang="en-US" sz="900" dirty="0" smtClean="0">
-                <a:solidFill>
-                  <a:srgbClr val="000000"/>
-                </a:solidFill>
-                <a:latin typeface="Consolas" pitchFamily="49" charset="0"/>
-                <a:cs typeface="Consolas" pitchFamily="49" charset="0"/>
-              </a:rPr>
-              <a:t> reps_1 = 2;</a:t>
-            </a:r>
-          </a:p>
-          <a:p>
-            <a:r>
-              <a:rPr lang="en-US" sz="900" dirty="0" err="1" smtClean="0">
-                <a:solidFill>
-                  <a:srgbClr val="000000"/>
-                </a:solidFill>
-                <a:latin typeface="Consolas" pitchFamily="49" charset="0"/>
-                <a:cs typeface="Consolas" pitchFamily="49" charset="0"/>
-              </a:rPr>
-              <a:t>int</a:t>
-            </a:r>
-            <a:r>
-              <a:rPr lang="en-US" sz="900" dirty="0" smtClean="0">
-                <a:solidFill>
-                  <a:srgbClr val="000000"/>
-                </a:solidFill>
-                <a:latin typeface="Consolas" pitchFamily="49" charset="0"/>
-                <a:cs typeface="Consolas" pitchFamily="49" charset="0"/>
-              </a:rPr>
-              <a:t> total = 6;</a:t>
-            </a:r>
-          </a:p>
-          <a:p>
-            <a:endParaRPr lang="en-US" sz="900" dirty="0" smtClean="0">
-              <a:solidFill>
-                <a:srgbClr val="000000"/>
-              </a:solidFill>
-              <a:latin typeface="Consolas" pitchFamily="49" charset="0"/>
-              <a:cs typeface="Consolas" pitchFamily="49" charset="0"/>
-            </a:endParaRPr>
-          </a:p>
-          <a:p>
-            <a:r>
-              <a:rPr lang="en-US" sz="900" dirty="0" smtClean="0">
-                <a:solidFill>
-                  <a:srgbClr val="000000"/>
-                </a:solidFill>
-                <a:latin typeface="Consolas" pitchFamily="49" charset="0"/>
-                <a:cs typeface="Consolas" pitchFamily="49" charset="0"/>
-              </a:rPr>
-              <a:t>work pop 1 push 1 {</a:t>
-            </a:r>
-          </a:p>
-          <a:p>
-            <a:r>
-              <a:rPr lang="en-US" sz="900" dirty="0">
-                <a:solidFill>
-                  <a:srgbClr val="000000"/>
-                </a:solidFill>
-                <a:latin typeface="Consolas" pitchFamily="49" charset="0"/>
-                <a:cs typeface="Consolas" pitchFamily="49" charset="0"/>
-              </a:rPr>
-              <a:t> </a:t>
-            </a:r>
-            <a:r>
-              <a:rPr lang="en-US" sz="900" dirty="0" smtClean="0">
-                <a:solidFill>
-                  <a:srgbClr val="000000"/>
-                </a:solidFill>
-                <a:latin typeface="Consolas" pitchFamily="49" charset="0"/>
-                <a:cs typeface="Consolas" pitchFamily="49" charset="0"/>
-              </a:rPr>
-              <a:t>     ...</a:t>
-            </a:r>
-            <a:endParaRPr lang="en-US" sz="900" dirty="0">
-              <a:solidFill>
-                <a:srgbClr val="000000"/>
-              </a:solidFill>
-              <a:latin typeface="Consolas" pitchFamily="49" charset="0"/>
-              <a:cs typeface="Consolas" pitchFamily="49" charset="0"/>
-            </a:endParaRPr>
-          </a:p>
-          <a:p>
-            <a:r>
-              <a:rPr lang="en-US" sz="900" dirty="0" smtClean="0">
-                <a:solidFill>
-                  <a:srgbClr val="000000"/>
-                </a:solidFill>
-                <a:latin typeface="Consolas" pitchFamily="49" charset="0"/>
-                <a:cs typeface="Consolas" pitchFamily="49" charset="0"/>
-              </a:rPr>
-              <a:t>   </a:t>
-            </a:r>
-            <a:r>
-              <a:rPr lang="en-US" sz="900" dirty="0" err="1" smtClean="0">
-                <a:solidFill>
-                  <a:srgbClr val="000000"/>
-                </a:solidFill>
-                <a:latin typeface="Consolas" pitchFamily="49" charset="0"/>
-                <a:cs typeface="Consolas" pitchFamily="49" charset="0"/>
-              </a:rPr>
-              <a:t>int</a:t>
-            </a:r>
-            <a:r>
-              <a:rPr lang="en-US" sz="900" dirty="0" smtClean="0">
-                <a:solidFill>
-                  <a:srgbClr val="000000"/>
-                </a:solidFill>
-                <a:latin typeface="Consolas" pitchFamily="49" charset="0"/>
-                <a:cs typeface="Consolas" pitchFamily="49" charset="0"/>
-              </a:rPr>
-              <a:t> counter = iter_1;</a:t>
-            </a:r>
-          </a:p>
-          <a:p>
-            <a:r>
-              <a:rPr lang="en-US" sz="900" dirty="0" smtClean="0">
-                <a:solidFill>
-                  <a:srgbClr val="000000"/>
-                </a:solidFill>
-                <a:latin typeface="Consolas" pitchFamily="49" charset="0"/>
-                <a:cs typeface="Consolas" pitchFamily="49" charset="0"/>
-              </a:rPr>
-              <a:t>      ...</a:t>
-            </a:r>
-          </a:p>
-          <a:p>
-            <a:r>
-              <a:rPr lang="en-US" sz="900" dirty="0">
-                <a:solidFill>
-                  <a:srgbClr val="000000"/>
-                </a:solidFill>
-                <a:latin typeface="Consolas" pitchFamily="49" charset="0"/>
-                <a:cs typeface="Consolas" pitchFamily="49" charset="0"/>
-              </a:rPr>
-              <a:t> </a:t>
-            </a:r>
-            <a:r>
-              <a:rPr lang="en-US" sz="900" dirty="0" smtClean="0">
-                <a:solidFill>
-                  <a:srgbClr val="000000"/>
-                </a:solidFill>
-                <a:latin typeface="Consolas" pitchFamily="49" charset="0"/>
-                <a:cs typeface="Consolas" pitchFamily="49" charset="0"/>
-              </a:rPr>
-              <a:t>  iter_1++;</a:t>
-            </a:r>
-          </a:p>
-          <a:p>
-            <a:r>
-              <a:rPr lang="en-US" sz="900" dirty="0">
-                <a:solidFill>
-                  <a:srgbClr val="000000"/>
-                </a:solidFill>
-                <a:latin typeface="Consolas" pitchFamily="49" charset="0"/>
-                <a:cs typeface="Consolas" pitchFamily="49" charset="0"/>
-              </a:rPr>
-              <a:t> </a:t>
-            </a:r>
-            <a:r>
-              <a:rPr lang="en-US" sz="900" dirty="0" smtClean="0">
-                <a:solidFill>
-                  <a:srgbClr val="000000"/>
-                </a:solidFill>
-                <a:latin typeface="Consolas" pitchFamily="49" charset="0"/>
-                <a:cs typeface="Consolas" pitchFamily="49" charset="0"/>
-              </a:rPr>
-              <a:t>  if ((iter_1–(start_1+init)–reps_1) </a:t>
-            </a:r>
-          </a:p>
-          <a:p>
-            <a:r>
-              <a:rPr lang="en-US" sz="900" dirty="0" smtClean="0">
-                <a:solidFill>
-                  <a:srgbClr val="000000"/>
-                </a:solidFill>
-                <a:latin typeface="Consolas" pitchFamily="49" charset="0"/>
-                <a:cs typeface="Consolas" pitchFamily="49" charset="0"/>
-              </a:rPr>
-              <a:t>          % total == 0)</a:t>
-            </a:r>
-          </a:p>
-          <a:p>
-            <a:r>
-              <a:rPr lang="en-US" sz="900" dirty="0">
-                <a:solidFill>
-                  <a:srgbClr val="000000"/>
-                </a:solidFill>
-                <a:latin typeface="Consolas" pitchFamily="49" charset="0"/>
-                <a:cs typeface="Consolas" pitchFamily="49" charset="0"/>
-              </a:rPr>
-              <a:t> </a:t>
-            </a:r>
-            <a:r>
-              <a:rPr lang="en-US" sz="900" dirty="0" smtClean="0">
-                <a:solidFill>
-                  <a:srgbClr val="000000"/>
-                </a:solidFill>
-                <a:latin typeface="Consolas" pitchFamily="49" charset="0"/>
-                <a:cs typeface="Consolas" pitchFamily="49" charset="0"/>
-              </a:rPr>
-              <a:t>    iter_1 = iter_1+total-reps_1;</a:t>
-            </a:r>
-          </a:p>
-          <a:p>
-            <a:r>
-              <a:rPr lang="en-US" sz="900" dirty="0" smtClean="0">
-                <a:solidFill>
-                  <a:srgbClr val="000000"/>
-                </a:solidFill>
-                <a:latin typeface="Consolas" pitchFamily="49" charset="0"/>
-                <a:cs typeface="Consolas" pitchFamily="49" charset="0"/>
-              </a:rPr>
-              <a:t>}</a:t>
-            </a:r>
-            <a:endParaRPr lang="en-US" sz="900" dirty="0">
-              <a:solidFill>
-                <a:srgbClr val="000000"/>
-              </a:solidFill>
-              <a:latin typeface="Consolas" pitchFamily="49" charset="0"/>
-              <a:cs typeface="Consolas" pitchFamily="49" charset="0"/>
-            </a:endParaRPr>
-          </a:p>
-        </p:txBody>
-      </p:sp>
-      <p:sp>
-        <p:nvSpPr>
-          <p:cNvPr id="13" name="Rounded Rectangle 12"/>
-          <p:cNvSpPr/>
-          <p:nvPr/>
-        </p:nvSpPr>
-        <p:spPr>
-          <a:xfrm>
-            <a:off x="8100721" y="1421694"/>
-            <a:ext cx="2898648" cy="2696549"/>
-          </a:xfrm>
-          <a:prstGeom prst="roundRect">
-            <a:avLst/>
-          </a:prstGeom>
-          <a:solidFill>
-            <a:schemeClr val="bg1"/>
-          </a:solidFill>
-          <a:ln>
-            <a:solidFill>
-              <a:schemeClr val="tx1"/>
-            </a:solidFill>
-          </a:ln>
-        </p:spPr>
-        <p:style>
-          <a:lnRef idx="1">
-            <a:schemeClr val="accent1"/>
-          </a:lnRef>
-          <a:fillRef idx="3">
-            <a:schemeClr val="accent1"/>
-          </a:fillRef>
-          <a:effectRef idx="2">
-            <a:schemeClr val="accent1"/>
-          </a:effectRef>
-          <a:fontRef idx="minor">
-            <a:schemeClr val="lt1"/>
-          </a:fontRef>
-        </p:style>
-        <p:txBody>
-          <a:bodyPr wrap="none" rtlCol="0" anchor="ctr"/>
-          <a:lstStyle/>
-          <a:p>
-            <a:r>
-              <a:rPr lang="en-US" sz="900" dirty="0" err="1" smtClean="0">
-                <a:solidFill>
-                  <a:srgbClr val="000000"/>
-                </a:solidFill>
-                <a:latin typeface="Consolas" pitchFamily="49" charset="0"/>
-                <a:cs typeface="Consolas" pitchFamily="49" charset="0"/>
-              </a:rPr>
-              <a:t>int</a:t>
-            </a:r>
-            <a:r>
-              <a:rPr lang="en-US" sz="900" dirty="0" smtClean="0">
-                <a:solidFill>
-                  <a:srgbClr val="000000"/>
-                </a:solidFill>
-                <a:latin typeface="Consolas" pitchFamily="49" charset="0"/>
-                <a:cs typeface="Consolas" pitchFamily="49" charset="0"/>
-              </a:rPr>
               <a:t> iter_2 = 2;</a:t>
             </a:r>
           </a:p>
@@ -4381,8 +4299,8 @@
         </p:nvCxnSpPr>
         <p:spPr>
           <a:xfrm>
-            <a:off x="5932833" y="814347"/>
-            <a:ext cx="3617212" cy="607347"/>
+            <a:off x="5932833" y="1496747"/>
+            <a:ext cx="3617212" cy="317960"/>
           </a:xfrm>
           <a:prstGeom prst="straightConnector1">
             <a:avLst/>
@@ -4505,7 +4423,7 @@
           <p:nvPr>
             <p:extLst>
               <p:ext uri="{D42A27DB-BD31-4B8C-83A1-F6EECF244321}">
-                <p14:modId xmlns="" xmlns:p14="http://schemas.microsoft.com/office/powerpoint/2010/main" val="3369552927"/>
+                <p14:modId xmlns:p14="http://schemas.microsoft.com/office/powerpoint/2010/main" xmlns="" val="3369552927"/>
               </p:ext>
             </p:extLst>
           </p:nvPr>
@@ -4989,7 +4907,7 @@
           <p:nvPr>
             <p:extLst>
               <p:ext uri="{D42A27DB-BD31-4B8C-83A1-F6EECF244321}">
-                <p14:modId xmlns="" xmlns:p14="http://schemas.microsoft.com/office/powerpoint/2010/main" val="34893664"/>
+                <p14:modId xmlns:p14="http://schemas.microsoft.com/office/powerpoint/2010/main" xmlns="" val="34893664"/>
               </p:ext>
             </p:extLst>
           </p:nvPr>
@@ -5480,7 +5398,7 @@
           <p:nvPr>
             <p:extLst>
               <p:ext uri="{D42A27DB-BD31-4B8C-83A1-F6EECF244321}">
-                <p14:modId xmlns="" xmlns:p14="http://schemas.microsoft.com/office/powerpoint/2010/main" val="532147693"/>
+                <p14:modId xmlns:p14="http://schemas.microsoft.com/office/powerpoint/2010/main" xmlns="" val="532147693"/>
               </p:ext>
             </p:extLst>
           </p:nvPr>
@@ -5951,7 +5869,7 @@
     </p:spTree>
     <p:extLst>
       <p:ext uri="{BB962C8B-B14F-4D97-AF65-F5344CB8AC3E}">
-        <p14:creationId xmlns="" xmlns:p14="http://schemas.microsoft.com/office/powerpoint/2010/main" val="2906562973"/>
+        <p14:creationId xmlns:p14="http://schemas.microsoft.com/office/powerpoint/2010/main" xmlns="" val="2906562973"/>
       </p:ext>
     </p:extLst>
   </p:cSld>
